--- a/presentation.pptx
+++ b/presentation.pptx
@@ -235,7 +235,7 @@
           <a:p>
             <a:fld id="{D987070D-87AF-4443-8990-425EA27CC244}" type="datetimeFigureOut">
               <a:rPr lang="de-CH" smtClean="0"/>
-              <a:t>28.01.2021</a:t>
+              <a:t>30.06.2021</a:t>
             </a:fld>
             <a:endParaRPr lang="de-CH"/>
           </a:p>
@@ -1474,7 +1474,7 @@
           <a:p>
             <a:fld id="{A2EAEABE-1D59-4413-813E-803E21872067}" type="datetimeFigureOut">
               <a:rPr lang="de-CH" smtClean="0"/>
-              <a:t>28.01.2021</a:t>
+              <a:t>30.06.2021</a:t>
             </a:fld>
             <a:endParaRPr lang="de-CH"/>
           </a:p>
@@ -1644,7 +1644,7 @@
           <a:p>
             <a:fld id="{A2EAEABE-1D59-4413-813E-803E21872067}" type="datetimeFigureOut">
               <a:rPr lang="de-CH" smtClean="0"/>
-              <a:t>28.01.2021</a:t>
+              <a:t>30.06.2021</a:t>
             </a:fld>
             <a:endParaRPr lang="de-CH"/>
           </a:p>
@@ -1824,7 +1824,7 @@
           <a:p>
             <a:fld id="{A2EAEABE-1D59-4413-813E-803E21872067}" type="datetimeFigureOut">
               <a:rPr lang="de-CH" smtClean="0"/>
-              <a:t>28.01.2021</a:t>
+              <a:t>30.06.2021</a:t>
             </a:fld>
             <a:endParaRPr lang="de-CH"/>
           </a:p>
@@ -1993,7 +1993,7 @@
           <a:p>
             <a:fld id="{A2EAEABE-1D59-4413-813E-803E21872067}" type="datetimeFigureOut">
               <a:rPr lang="de-CH" smtClean="0"/>
-              <a:t>28.01.2021</a:t>
+              <a:t>30.06.2021</a:t>
             </a:fld>
             <a:endParaRPr lang="de-CH"/>
           </a:p>
@@ -2239,7 +2239,7 @@
           <a:p>
             <a:fld id="{A2EAEABE-1D59-4413-813E-803E21872067}" type="datetimeFigureOut">
               <a:rPr lang="de-CH" smtClean="0"/>
-              <a:t>28.01.2021</a:t>
+              <a:t>30.06.2021</a:t>
             </a:fld>
             <a:endParaRPr lang="de-CH"/>
           </a:p>
@@ -2471,7 +2471,7 @@
           <a:p>
             <a:fld id="{A2EAEABE-1D59-4413-813E-803E21872067}" type="datetimeFigureOut">
               <a:rPr lang="de-CH" smtClean="0"/>
-              <a:t>28.01.2021</a:t>
+              <a:t>30.06.2021</a:t>
             </a:fld>
             <a:endParaRPr lang="de-CH"/>
           </a:p>
@@ -2838,7 +2838,7 @@
           <a:p>
             <a:fld id="{A2EAEABE-1D59-4413-813E-803E21872067}" type="datetimeFigureOut">
               <a:rPr lang="de-CH" smtClean="0"/>
-              <a:t>28.01.2021</a:t>
+              <a:t>30.06.2021</a:t>
             </a:fld>
             <a:endParaRPr lang="de-CH"/>
           </a:p>
@@ -2956,7 +2956,7 @@
           <a:p>
             <a:fld id="{A2EAEABE-1D59-4413-813E-803E21872067}" type="datetimeFigureOut">
               <a:rPr lang="de-CH" smtClean="0"/>
-              <a:t>28.01.2021</a:t>
+              <a:t>30.06.2021</a:t>
             </a:fld>
             <a:endParaRPr lang="de-CH"/>
           </a:p>
@@ -3051,7 +3051,7 @@
           <a:p>
             <a:fld id="{A2EAEABE-1D59-4413-813E-803E21872067}" type="datetimeFigureOut">
               <a:rPr lang="de-CH" smtClean="0"/>
-              <a:t>28.01.2021</a:t>
+              <a:t>30.06.2021</a:t>
             </a:fld>
             <a:endParaRPr lang="de-CH"/>
           </a:p>
@@ -3328,7 +3328,7 @@
           <a:p>
             <a:fld id="{A2EAEABE-1D59-4413-813E-803E21872067}" type="datetimeFigureOut">
               <a:rPr lang="de-CH" smtClean="0"/>
-              <a:t>28.01.2021</a:t>
+              <a:t>30.06.2021</a:t>
             </a:fld>
             <a:endParaRPr lang="de-CH"/>
           </a:p>
@@ -3585,7 +3585,7 @@
           <a:p>
             <a:fld id="{A2EAEABE-1D59-4413-813E-803E21872067}" type="datetimeFigureOut">
               <a:rPr lang="de-CH" smtClean="0"/>
-              <a:t>28.01.2021</a:t>
+              <a:t>30.06.2021</a:t>
             </a:fld>
             <a:endParaRPr lang="de-CH"/>
           </a:p>
@@ -3796,7 +3796,7 @@
           <a:p>
             <a:fld id="{A2EAEABE-1D59-4413-813E-803E21872067}" type="datetimeFigureOut">
               <a:rPr lang="de-CH" smtClean="0"/>
-              <a:t>28.01.2021</a:t>
+              <a:t>30.06.2021</a:t>
             </a:fld>
             <a:endParaRPr lang="de-CH"/>
           </a:p>
@@ -4268,16 +4268,72 @@
           </a:p>
         </p:txBody>
       </p:sp>
+      <p:sp>
+        <p:nvSpPr>
+          <p:cNvPr id="6" name="TextBox 5">
+            <a:extLst>
+              <a:ext uri="{FF2B5EF4-FFF2-40B4-BE49-F238E27FC236}">
+                <a16:creationId xmlns:a16="http://schemas.microsoft.com/office/drawing/2014/main" id="{762302C8-A02A-4EC0-9DD8-BCF2313047DC}"/>
+              </a:ext>
+            </a:extLst>
+          </p:cNvPr>
+          <p:cNvSpPr txBox="1"/>
+          <p:nvPr/>
+        </p:nvSpPr>
+        <p:spPr>
+          <a:xfrm>
+            <a:off x="6096000" y="6245481"/>
+            <a:ext cx="6093068" cy="584775"/>
+          </a:xfrm>
+          <a:prstGeom prst="rect">
+            <a:avLst/>
+          </a:prstGeom>
+          <a:noFill/>
+        </p:spPr>
+        <p:txBody>
+          <a:bodyPr wrap="square">
+            <a:spAutoFit/>
+          </a:bodyPr>
+          <a:lstStyle/>
+          <a:p>
+            <a:pPr algn="r"/>
+            <a:r>
+              <a:rPr lang="en-US" sz="3200" dirty="0">
+                <a:solidFill>
+                  <a:schemeClr val="bg2">
+                    <a:lumMod val="75000"/>
+                  </a:schemeClr>
+                </a:solidFill>
+                <a:latin typeface="Yanone Kaffeesatz Regular" panose="02000000000000000000" pitchFamily="2" charset="0"/>
+              </a:rPr>
+              <a:t>@danielmarbach</a:t>
+            </a:r>
+            <a:endParaRPr lang="en-US" sz="3200" dirty="0">
+              <a:solidFill>
+                <a:schemeClr val="bg2">
+                  <a:lumMod val="75000"/>
+                </a:schemeClr>
+              </a:solidFill>
+            </a:endParaRPr>
+          </a:p>
+        </p:txBody>
+      </p:sp>
       <p:pic>
         <p:nvPicPr>
-          <p:cNvPr id="9" name="Picture 8"/>
+          <p:cNvPr id="8" name="Picture 7">
+            <a:extLst>
+              <a:ext uri="{FF2B5EF4-FFF2-40B4-BE49-F238E27FC236}">
+                <a16:creationId xmlns:a16="http://schemas.microsoft.com/office/drawing/2014/main" id="{9BA68732-B83D-4452-8782-BAB88CEF7BCC}"/>
+              </a:ext>
+            </a:extLst>
+          </p:cNvPr>
           <p:cNvPicPr>
             <a:picLocks noChangeAspect="1"/>
           </p:cNvPicPr>
           <p:nvPr/>
         </p:nvPicPr>
         <p:blipFill>
-          <a:blip r:embed="rId3" cstate="print">
+          <a:blip r:embed="rId3">
             <a:extLst>
               <a:ext uri="{28A0092B-C50C-407E-A947-70E740481C1C}">
                 <a14:useLocalDpi xmlns:a14="http://schemas.microsoft.com/office/drawing/2010/main" val="0"/>
@@ -4290,64 +4346,14 @@
         </p:blipFill>
         <p:spPr>
           <a:xfrm>
-            <a:off x="8052306" y="612519"/>
-            <a:ext cx="2880000" cy="690817"/>
+            <a:off x="7315200" y="-366748"/>
+            <a:ext cx="4876800" cy="2381250"/>
           </a:xfrm>
           <a:prstGeom prst="rect">
             <a:avLst/>
           </a:prstGeom>
         </p:spPr>
       </p:pic>
-      <p:sp>
-        <p:nvSpPr>
-          <p:cNvPr id="6" name="TextBox 5">
-            <a:extLst>
-              <a:ext uri="{FF2B5EF4-FFF2-40B4-BE49-F238E27FC236}">
-                <a16:creationId xmlns:a16="http://schemas.microsoft.com/office/drawing/2014/main" id="{762302C8-A02A-4EC0-9DD8-BCF2313047DC}"/>
-              </a:ext>
-            </a:extLst>
-          </p:cNvPr>
-          <p:cNvSpPr txBox="1"/>
-          <p:nvPr/>
-        </p:nvSpPr>
-        <p:spPr>
-          <a:xfrm>
-            <a:off x="6096000" y="6245481"/>
-            <a:ext cx="6093068" cy="584775"/>
-          </a:xfrm>
-          <a:prstGeom prst="rect">
-            <a:avLst/>
-          </a:prstGeom>
-          <a:noFill/>
-        </p:spPr>
-        <p:txBody>
-          <a:bodyPr wrap="square">
-            <a:spAutoFit/>
-          </a:bodyPr>
-          <a:lstStyle/>
-          <a:p>
-            <a:pPr algn="r"/>
-            <a:r>
-              <a:rPr lang="en-US" sz="3200" dirty="0">
-                <a:solidFill>
-                  <a:schemeClr val="bg2">
-                    <a:lumMod val="75000"/>
-                  </a:schemeClr>
-                </a:solidFill>
-                <a:latin typeface="Yanone Kaffeesatz Regular" panose="02000000000000000000" pitchFamily="2" charset="0"/>
-              </a:rPr>
-              <a:t>@danielmarbach</a:t>
-            </a:r>
-            <a:endParaRPr lang="en-US" sz="3200" dirty="0">
-              <a:solidFill>
-                <a:schemeClr val="bg2">
-                  <a:lumMod val="75000"/>
-                </a:schemeClr>
-              </a:solidFill>
-            </a:endParaRPr>
-          </a:p>
-        </p:txBody>
-      </p:sp>
     </p:spTree>
     <p:extLst>
       <p:ext uri="{BB962C8B-B14F-4D97-AF65-F5344CB8AC3E}">
@@ -4414,14 +4420,20 @@
       </p:sp>
       <p:pic>
         <p:nvPicPr>
-          <p:cNvPr id="3" name="Picture 2"/>
+          <p:cNvPr id="4" name="Picture 3">
+            <a:extLst>
+              <a:ext uri="{FF2B5EF4-FFF2-40B4-BE49-F238E27FC236}">
+                <a16:creationId xmlns:a16="http://schemas.microsoft.com/office/drawing/2014/main" id="{5C047052-3B43-45EC-AFF7-19EF158622D4}"/>
+              </a:ext>
+            </a:extLst>
+          </p:cNvPr>
           <p:cNvPicPr>
             <a:picLocks noChangeAspect="1"/>
           </p:cNvPicPr>
           <p:nvPr/>
         </p:nvPicPr>
         <p:blipFill>
-          <a:blip r:embed="rId3" cstate="print">
+          <a:blip r:embed="rId3">
             <a:extLst>
               <a:ext uri="{28A0092B-C50C-407E-A947-70E740481C1C}">
                 <a14:useLocalDpi xmlns:a14="http://schemas.microsoft.com/office/drawing/2010/main" val="0"/>
@@ -4434,8 +4446,8 @@
         </p:blipFill>
         <p:spPr>
           <a:xfrm>
-            <a:off x="8052306" y="612519"/>
-            <a:ext cx="2880000" cy="690817"/>
+            <a:off x="7315200" y="-366748"/>
+            <a:ext cx="4876800" cy="2381250"/>
           </a:xfrm>
           <a:prstGeom prst="rect">
             <a:avLst/>
@@ -6613,56 +6625,6 @@
               <a:t>Slides, Links…</a:t>
             </a:r>
             <a:endParaRPr lang="de-CH" sz="1400" dirty="0"/>
-          </a:p>
-        </p:txBody>
-      </p:sp>
-      <p:sp>
-        <p:nvSpPr>
-          <p:cNvPr id="5" name="TextBox 4">
-            <a:extLst>
-              <a:ext uri="{FF2B5EF4-FFF2-40B4-BE49-F238E27FC236}">
-                <a16:creationId xmlns:a16="http://schemas.microsoft.com/office/drawing/2014/main" id="{55EB1C62-0295-49CE-8D33-452DAAE7533E}"/>
-              </a:ext>
-            </a:extLst>
-          </p:cNvPr>
-          <p:cNvSpPr txBox="1"/>
-          <p:nvPr/>
-        </p:nvSpPr>
-        <p:spPr>
-          <a:xfrm>
-            <a:off x="1064014" y="4192212"/>
-            <a:ext cx="6093068" cy="646331"/>
-          </a:xfrm>
-          <a:prstGeom prst="rect">
-            <a:avLst/>
-          </a:prstGeom>
-          <a:noFill/>
-        </p:spPr>
-        <p:txBody>
-          <a:bodyPr wrap="square">
-            <a:spAutoFit/>
-          </a:bodyPr>
-          <a:lstStyle/>
-          <a:p>
-            <a:r>
-              <a:rPr lang="de-CH" sz="3600" dirty="0">
-                <a:solidFill>
-                  <a:schemeClr val="bg2">
-                    <a:lumMod val="75000"/>
-                  </a:schemeClr>
-                </a:solidFill>
-                <a:latin typeface="Yanone Kaffeesatz Regular" panose="02000000000000000000" pitchFamily="2" charset="0"/>
-              </a:rPr>
-              <a:t>docs.particular.net/transports/rabbitmq</a:t>
-            </a:r>
-            <a:endParaRPr lang="en-US" sz="3600" dirty="0">
-              <a:solidFill>
-                <a:schemeClr val="bg2">
-                  <a:lumMod val="75000"/>
-                </a:schemeClr>
-              </a:solidFill>
-              <a:latin typeface="Yanone Kaffeesatz Regular" panose="02000000000000000000" pitchFamily="2" charset="0"/>
-            </a:endParaRPr>
           </a:p>
         </p:txBody>
       </p:sp>

--- a/presentation.pptx
+++ b/presentation.pptx
@@ -5,19 +5,20 @@
     <p:sldMasterId id="2147483684" r:id="rId1"/>
   </p:sldMasterIdLst>
   <p:notesMasterIdLst>
-    <p:notesMasterId r:id="rId12"/>
+    <p:notesMasterId r:id="rId13"/>
   </p:notesMasterIdLst>
   <p:sldIdLst>
     <p:sldId id="491" r:id="rId2"/>
     <p:sldId id="277" r:id="rId3"/>
     <p:sldId id="494" r:id="rId4"/>
-    <p:sldId id="273" r:id="rId5"/>
-    <p:sldId id="497" r:id="rId6"/>
-    <p:sldId id="498" r:id="rId7"/>
-    <p:sldId id="489" r:id="rId8"/>
-    <p:sldId id="267" r:id="rId9"/>
-    <p:sldId id="268" r:id="rId10"/>
-    <p:sldId id="279" r:id="rId11"/>
+    <p:sldId id="499" r:id="rId5"/>
+    <p:sldId id="273" r:id="rId6"/>
+    <p:sldId id="497" r:id="rId7"/>
+    <p:sldId id="498" r:id="rId8"/>
+    <p:sldId id="489" r:id="rId9"/>
+    <p:sldId id="267" r:id="rId10"/>
+    <p:sldId id="268" r:id="rId11"/>
+    <p:sldId id="279" r:id="rId12"/>
   </p:sldIdLst>
   <p:sldSz cx="12192000" cy="6858000"/>
   <p:notesSz cx="6858000" cy="9144000"/>
@@ -124,6 +125,7 @@
             <p14:sldId id="491"/>
             <p14:sldId id="277"/>
             <p14:sldId id="494"/>
+            <p14:sldId id="499"/>
           </p14:sldIdLst>
         </p14:section>
         <p14:section name="Wrapup" id="{19F31DCB-415C-4F2D-A648-8AC536A0B019}">
@@ -652,7 +654,7 @@
           <a:p>
             <a:fld id="{9BCA07FD-5BD5-4529-84B0-48DD2C561176}" type="slidenum">
               <a:rPr lang="de-CH" smtClean="0"/>
-              <a:t>10</a:t>
+              <a:t>11</a:t>
             </a:fld>
             <a:endParaRPr lang="de-CH"/>
           </a:p>
@@ -904,7 +906,7 @@
           <a:p>
             <a:fld id="{9BCA07FD-5BD5-4529-84B0-48DD2C561176}" type="slidenum">
               <a:rPr lang="de-CH" smtClean="0"/>
-              <a:t>4</a:t>
+              <a:t>5</a:t>
             </a:fld>
             <a:endParaRPr lang="de-CH"/>
           </a:p>
@@ -988,7 +990,7 @@
           <a:p>
             <a:fld id="{9BCA07FD-5BD5-4529-84B0-48DD2C561176}" type="slidenum">
               <a:rPr lang="de-CH" smtClean="0"/>
-              <a:t>5</a:t>
+              <a:t>6</a:t>
             </a:fld>
             <a:endParaRPr lang="de-CH"/>
           </a:p>
@@ -1072,7 +1074,7 @@
           <a:p>
             <a:fld id="{9BCA07FD-5BD5-4529-84B0-48DD2C561176}" type="slidenum">
               <a:rPr lang="de-CH" smtClean="0"/>
-              <a:t>6</a:t>
+              <a:t>7</a:t>
             </a:fld>
             <a:endParaRPr lang="de-CH"/>
           </a:p>
@@ -1156,7 +1158,7 @@
           <a:p>
             <a:fld id="{9BCA07FD-5BD5-4529-84B0-48DD2C561176}" type="slidenum">
               <a:rPr lang="de-CH" smtClean="0"/>
-              <a:t>7</a:t>
+              <a:t>8</a:t>
             </a:fld>
             <a:endParaRPr lang="de-CH"/>
           </a:p>
@@ -1240,7 +1242,7 @@
           <a:p>
             <a:fld id="{9BCA07FD-5BD5-4529-84B0-48DD2C561176}" type="slidenum">
               <a:rPr lang="de-CH" smtClean="0"/>
-              <a:t>8</a:t>
+              <a:t>9</a:t>
             </a:fld>
             <a:endParaRPr lang="de-CH"/>
           </a:p>
@@ -1324,7 +1326,7 @@
           <a:p>
             <a:fld id="{9BCA07FD-5BD5-4529-84B0-48DD2C561176}" type="slidenum">
               <a:rPr lang="de-CH" smtClean="0"/>
-              <a:t>9</a:t>
+              <a:t>10</a:t>
             </a:fld>
             <a:endParaRPr lang="de-CH"/>
           </a:p>
@@ -4392,6 +4394,156 @@
         </p:nvSpPr>
         <p:spPr>
           <a:xfrm>
+            <a:off x="7394233" y="2132714"/>
+            <a:ext cx="6096000" cy="2246769"/>
+          </a:xfrm>
+          <a:prstGeom prst="rect">
+            <a:avLst/>
+          </a:prstGeom>
+        </p:spPr>
+        <p:txBody>
+          <a:bodyPr>
+            <a:spAutoFit/>
+          </a:bodyPr>
+          <a:lstStyle/>
+          <a:p>
+            <a:r>
+              <a:rPr lang="en-US" sz="2800" dirty="0">
+                <a:solidFill>
+                  <a:schemeClr val="accent4"/>
+                </a:solidFill>
+                <a:latin typeface="Yanone Kaffeesatz Regular" panose="02000000000000000000" pitchFamily="2" charset="0"/>
+              </a:rPr>
+              <a:t>daniel.marbach@particular.net</a:t>
+            </a:r>
+            <a:br>
+              <a:rPr lang="en-US" sz="2800" dirty="0">
+                <a:solidFill>
+                  <a:schemeClr val="accent4"/>
+                </a:solidFill>
+                <a:latin typeface="Yanone Kaffeesatz Regular" panose="02000000000000000000" pitchFamily="2" charset="0"/>
+              </a:rPr>
+            </a:br>
+            <a:endParaRPr lang="en-US" sz="2800" dirty="0">
+              <a:solidFill>
+                <a:schemeClr val="accent4"/>
+              </a:solidFill>
+              <a:latin typeface="Yanone Kaffeesatz Regular" panose="02000000000000000000" pitchFamily="2" charset="0"/>
+            </a:endParaRPr>
+          </a:p>
+          <a:p>
+            <a:r>
+              <a:rPr lang="en-US" sz="2800" dirty="0">
+                <a:solidFill>
+                  <a:schemeClr val="accent4"/>
+                </a:solidFill>
+                <a:latin typeface="Yanone Kaffeesatz Regular" panose="02000000000000000000" pitchFamily="2" charset="0"/>
+              </a:rPr>
+              <a:t>@danielmarbach</a:t>
+            </a:r>
+          </a:p>
+          <a:p>
+            <a:r>
+              <a:rPr lang="en-US" sz="2800" dirty="0">
+                <a:solidFill>
+                  <a:schemeClr val="accent4"/>
+                </a:solidFill>
+                <a:latin typeface="Yanone Kaffeesatz Regular" panose="02000000000000000000" pitchFamily="2" charset="0"/>
+              </a:rPr>
+              <a:t>particular.net/blog</a:t>
+            </a:r>
+          </a:p>
+          <a:p>
+            <a:r>
+              <a:rPr lang="en-US" sz="2800" dirty="0">
+                <a:solidFill>
+                  <a:schemeClr val="accent4"/>
+                </a:solidFill>
+                <a:latin typeface="Yanone Kaffeesatz Regular" panose="02000000000000000000" pitchFamily="2" charset="0"/>
+              </a:rPr>
+              <a:t>planetgeek.ch</a:t>
+            </a:r>
+          </a:p>
+        </p:txBody>
+      </p:sp>
+      <p:sp>
+        <p:nvSpPr>
+          <p:cNvPr id="5" name="Rectangle 4">
+            <a:extLst>
+              <a:ext uri="{FF2B5EF4-FFF2-40B4-BE49-F238E27FC236}">
+                <a16:creationId xmlns:a16="http://schemas.microsoft.com/office/drawing/2014/main" id="{334D3B51-72CD-4CBE-ACE7-25E4064F9CC7}"/>
+              </a:ext>
+            </a:extLst>
+          </p:cNvPr>
+          <p:cNvSpPr/>
+          <p:nvPr/>
+        </p:nvSpPr>
+        <p:spPr>
+          <a:xfrm>
+            <a:off x="1379418" y="1678743"/>
+            <a:ext cx="4474302" cy="3154710"/>
+          </a:xfrm>
+          <a:prstGeom prst="rect">
+            <a:avLst/>
+          </a:prstGeom>
+        </p:spPr>
+        <p:txBody>
+          <a:bodyPr wrap="none">
+            <a:spAutoFit/>
+          </a:bodyPr>
+          <a:lstStyle/>
+          <a:p>
+            <a:r>
+              <a:rPr lang="en-US" sz="19900" dirty="0">
+                <a:solidFill>
+                  <a:schemeClr val="accent2"/>
+                </a:solidFill>
+                <a:latin typeface="Yanone Kaffeesatz Regular" panose="02000000000000000000" pitchFamily="2" charset="0"/>
+              </a:rPr>
+              <a:t>Q &amp; A</a:t>
+            </a:r>
+            <a:endParaRPr lang="de-CH" sz="2000" dirty="0"/>
+          </a:p>
+        </p:txBody>
+      </p:sp>
+    </p:spTree>
+    <p:extLst>
+      <p:ext uri="{BB962C8B-B14F-4D97-AF65-F5344CB8AC3E}">
+        <p14:creationId xmlns:p14="http://schemas.microsoft.com/office/powerpoint/2010/main" val="3601279917"/>
+      </p:ext>
+    </p:extLst>
+  </p:cSld>
+  <p:clrMapOvr>
+    <a:masterClrMapping/>
+  </p:clrMapOvr>
+</p:sld>
+</file>
+
+<file path=ppt/slides/slide11.xml><?xml version="1.0" encoding="utf-8"?>
+<p:sld xmlns:a="http://schemas.openxmlformats.org/drawingml/2006/main" xmlns:r="http://schemas.openxmlformats.org/officeDocument/2006/relationships" xmlns:p="http://schemas.openxmlformats.org/presentationml/2006/main">
+  <p:cSld>
+    <p:spTree>
+      <p:nvGrpSpPr>
+        <p:cNvPr id="1" name=""/>
+        <p:cNvGrpSpPr/>
+        <p:nvPr/>
+      </p:nvGrpSpPr>
+      <p:grpSpPr>
+        <a:xfrm>
+          <a:off x="0" y="0"/>
+          <a:ext cx="0" cy="0"/>
+          <a:chOff x="0" y="0"/>
+          <a:chExt cx="0" cy="0"/>
+        </a:xfrm>
+      </p:grpSpPr>
+      <p:sp>
+        <p:nvSpPr>
+          <p:cNvPr id="2" name="Rectangle 1"/>
+          <p:cNvSpPr/>
+          <p:nvPr/>
+        </p:nvSpPr>
+        <p:spPr>
+          <a:xfrm>
             <a:off x="3176771" y="1851645"/>
             <a:ext cx="5838458" cy="3154710"/>
           </a:xfrm>
@@ -5272,14 +5424,20 @@
       </p:grpSpPr>
       <p:sp>
         <p:nvSpPr>
-          <p:cNvPr id="5" name="Rectangle 4"/>
+          <p:cNvPr id="2" name="Rectangle 1">
+            <a:extLst>
+              <a:ext uri="{FF2B5EF4-FFF2-40B4-BE49-F238E27FC236}">
+                <a16:creationId xmlns:a16="http://schemas.microsoft.com/office/drawing/2014/main" id="{7DC119BC-2BC3-49CA-9953-D40C2FEAAAC8}"/>
+              </a:ext>
+            </a:extLst>
+          </p:cNvPr>
           <p:cNvSpPr/>
           <p:nvPr/>
         </p:nvSpPr>
         <p:spPr>
           <a:xfrm>
-            <a:off x="0" y="1952437"/>
-            <a:ext cx="4999912" cy="2646878"/>
+            <a:off x="3596044" y="1259175"/>
+            <a:ext cx="4999912" cy="4339650"/>
           </a:xfrm>
           <a:prstGeom prst="rect">
             <a:avLst/>
@@ -5293,364 +5451,32 @@
           <a:p>
             <a:pPr algn="ctr"/>
             <a:r>
-              <a:rPr lang="en-US" sz="16600" dirty="0">
-                <a:solidFill>
-                  <a:schemeClr val="accent2"/>
+              <a:rPr lang="en-US" sz="13800" dirty="0">
+                <a:solidFill>
+                  <a:schemeClr val="accent3"/>
                 </a:solidFill>
                 <a:latin typeface="Yanone Kaffeesatz Regular" panose="02000000000000000000" pitchFamily="2" charset="0"/>
               </a:rPr>
-              <a:t>Recap</a:t>
-            </a:r>
-            <a:endParaRPr lang="de-CH" dirty="0"/>
-          </a:p>
-        </p:txBody>
-      </p:sp>
-      <p:sp>
-        <p:nvSpPr>
-          <p:cNvPr id="6" name="Rectangle 5"/>
-          <p:cNvSpPr/>
-          <p:nvPr/>
-        </p:nvSpPr>
-        <p:spPr>
-          <a:xfrm>
-            <a:off x="6485270" y="1671407"/>
-            <a:ext cx="5706729" cy="3416320"/>
-          </a:xfrm>
-          <a:prstGeom prst="rect">
-            <a:avLst/>
-          </a:prstGeom>
-        </p:spPr>
-        <p:txBody>
-          <a:bodyPr wrap="square">
-            <a:spAutoFit/>
-          </a:bodyPr>
-          <a:lstStyle/>
-          <a:p>
-            <a:r>
-              <a:rPr lang="en-US" sz="3600" dirty="0">
-                <a:solidFill>
-                  <a:schemeClr val="tx2"/>
-                </a:solidFill>
-                <a:latin typeface="Yanone Kaffeesatz Regular" panose="02000000000000000000" pitchFamily="2" charset="0"/>
-              </a:rPr>
-              <a:t>Find the </a:t>
-            </a:r>
-            <a:r>
-              <a:rPr lang="en-US" sz="3600" dirty="0">
-                <a:solidFill>
-                  <a:schemeClr val="accent4"/>
-                </a:solidFill>
-                <a:latin typeface="Yanone Kaffeesatz Regular" panose="02000000000000000000" pitchFamily="2" charset="0"/>
-              </a:rPr>
-              <a:t>IO-bound</a:t>
-            </a:r>
-            <a:r>
-              <a:rPr lang="en-US" sz="3600" dirty="0">
-                <a:solidFill>
-                  <a:schemeClr val="tx2"/>
-                </a:solidFill>
-                <a:latin typeface="Yanone Kaffeesatz Regular" panose="02000000000000000000" pitchFamily="2" charset="0"/>
-              </a:rPr>
-              <a:t> paths in your code</a:t>
-            </a:r>
-          </a:p>
-          <a:p>
-            <a:endParaRPr lang="en-US" sz="3600" dirty="0">
+              <a:t>It’s code time</a:t>
+            </a:r>
+            <a:endParaRPr lang="de-CH" sz="1600" dirty="0">
               <a:solidFill>
-                <a:schemeClr val="tx2"/>
+                <a:schemeClr val="accent3"/>
               </a:solidFill>
-              <a:latin typeface="Yanone Kaffeesatz Regular" panose="02000000000000000000" pitchFamily="2" charset="0"/>
             </a:endParaRPr>
-          </a:p>
-          <a:p>
-            <a:r>
-              <a:rPr lang="en-US" sz="3600" dirty="0">
-                <a:solidFill>
-                  <a:schemeClr val="tx2"/>
-                </a:solidFill>
-                <a:latin typeface="Yanone Kaffeesatz Regular" panose="02000000000000000000" pitchFamily="2" charset="0"/>
-              </a:rPr>
-              <a:t>Get rid of </a:t>
-            </a:r>
-            <a:r>
-              <a:rPr lang="en-US" sz="3600" dirty="0">
-                <a:solidFill>
-                  <a:schemeClr val="accent4"/>
-                </a:solidFill>
-                <a:latin typeface="Yanone Kaffeesatz Regular" panose="02000000000000000000" pitchFamily="2" charset="0"/>
-              </a:rPr>
-              <a:t>lock contentions</a:t>
-            </a:r>
-          </a:p>
-          <a:p>
-            <a:endParaRPr lang="en-US" sz="3600" dirty="0">
-              <a:solidFill>
-                <a:schemeClr val="tx2"/>
-              </a:solidFill>
-              <a:latin typeface="Yanone Kaffeesatz Regular" panose="02000000000000000000" pitchFamily="2" charset="0"/>
-            </a:endParaRPr>
-          </a:p>
-          <a:p>
-            <a:r>
-              <a:rPr lang="en-US" sz="3600" dirty="0">
-                <a:solidFill>
-                  <a:schemeClr val="tx2"/>
-                </a:solidFill>
-                <a:latin typeface="Yanone Kaffeesatz Regular" panose="02000000000000000000" pitchFamily="2" charset="0"/>
-              </a:rPr>
-              <a:t>If possible use a </a:t>
-            </a:r>
-            <a:r>
-              <a:rPr lang="en-US" sz="3600" dirty="0">
-                <a:solidFill>
-                  <a:schemeClr val="accent4"/>
-                </a:solidFill>
-                <a:latin typeface="Yanone Kaffeesatz Regular" panose="02000000000000000000" pitchFamily="2" charset="0"/>
-              </a:rPr>
-              <a:t>redundant</a:t>
-            </a:r>
-            <a:r>
-              <a:rPr lang="en-US" sz="3600" dirty="0">
-                <a:solidFill>
-                  <a:schemeClr val="tx2"/>
-                </a:solidFill>
-                <a:latin typeface="Yanone Kaffeesatz Regular" panose="02000000000000000000" pitchFamily="2" charset="0"/>
-              </a:rPr>
-              <a:t> code path that is </a:t>
-            </a:r>
-            <a:r>
-              <a:rPr lang="en-US" sz="3600" dirty="0">
-                <a:solidFill>
-                  <a:schemeClr val="accent4"/>
-                </a:solidFill>
-                <a:latin typeface="Yanone Kaffeesatz Regular" panose="02000000000000000000" pitchFamily="2" charset="0"/>
-              </a:rPr>
-              <a:t>async all the way</a:t>
-            </a:r>
-          </a:p>
-        </p:txBody>
-      </p:sp>
-      <p:sp>
-        <p:nvSpPr>
-          <p:cNvPr id="7" name="Rectangle 6"/>
-          <p:cNvSpPr/>
-          <p:nvPr/>
-        </p:nvSpPr>
-        <p:spPr>
-          <a:xfrm>
-            <a:off x="1" y="4399885"/>
-            <a:ext cx="6494332" cy="1200329"/>
-          </a:xfrm>
-          <a:prstGeom prst="rect">
-            <a:avLst/>
-          </a:prstGeom>
-        </p:spPr>
-        <p:txBody>
-          <a:bodyPr wrap="square">
-            <a:spAutoFit/>
-          </a:bodyPr>
-          <a:lstStyle/>
-          <a:p>
-            <a:pPr algn="ctr"/>
-            <a:r>
-              <a:rPr lang="en-US" sz="7200" dirty="0">
-                <a:solidFill>
-                  <a:schemeClr val="accent3"/>
-                </a:solidFill>
-                <a:latin typeface="Yanone Kaffeesatz Regular" panose="02000000000000000000" pitchFamily="2" charset="0"/>
-              </a:rPr>
-              <a:t>reminder</a:t>
-            </a:r>
           </a:p>
         </p:txBody>
       </p:sp>
     </p:spTree>
     <p:extLst>
       <p:ext uri="{BB962C8B-B14F-4D97-AF65-F5344CB8AC3E}">
-        <p14:creationId xmlns:p14="http://schemas.microsoft.com/office/powerpoint/2010/main" val="2436182924"/>
+        <p14:creationId xmlns:p14="http://schemas.microsoft.com/office/powerpoint/2010/main" val="4056115761"/>
       </p:ext>
     </p:extLst>
   </p:cSld>
   <p:clrMapOvr>
     <a:masterClrMapping/>
   </p:clrMapOvr>
-  <p:timing>
-    <p:tnLst>
-      <p:par>
-        <p:cTn id="1" dur="indefinite" restart="never" nodeType="tmRoot">
-          <p:childTnLst>
-            <p:seq concurrent="1" nextAc="seek">
-              <p:cTn id="2" dur="indefinite" nodeType="mainSeq">
-                <p:childTnLst>
-                  <p:par>
-                    <p:cTn id="3" fill="hold">
-                      <p:stCondLst>
-                        <p:cond delay="indefinite"/>
-                      </p:stCondLst>
-                      <p:childTnLst>
-                        <p:par>
-                          <p:cTn id="4" fill="hold">
-                            <p:stCondLst>
-                              <p:cond delay="0"/>
-                            </p:stCondLst>
-                            <p:childTnLst>
-                              <p:par>
-                                <p:cTn id="5" presetID="1" presetClass="entr" presetSubtype="0" fill="hold" nodeType="clickEffect">
-                                  <p:stCondLst>
-                                    <p:cond delay="0"/>
-                                  </p:stCondLst>
-                                  <p:childTnLst>
-                                    <p:set>
-                                      <p:cBhvr>
-                                        <p:cTn id="6" dur="1" fill="hold">
-                                          <p:stCondLst>
-                                            <p:cond delay="0"/>
-                                          </p:stCondLst>
-                                        </p:cTn>
-                                        <p:tgtEl>
-                                          <p:spTgt spid="6">
-                                            <p:txEl>
-                                              <p:pRg st="0" end="0"/>
-                                            </p:txEl>
-                                          </p:spTgt>
-                                        </p:tgtEl>
-                                        <p:attrNameLst>
-                                          <p:attrName>style.visibility</p:attrName>
-                                        </p:attrNameLst>
-                                      </p:cBhvr>
-                                      <p:to>
-                                        <p:strVal val="visible"/>
-                                      </p:to>
-                                    </p:set>
-                                  </p:childTnLst>
-                                </p:cTn>
-                              </p:par>
-                            </p:childTnLst>
-                          </p:cTn>
-                        </p:par>
-                      </p:childTnLst>
-                    </p:cTn>
-                  </p:par>
-                  <p:par>
-                    <p:cTn id="7" fill="hold">
-                      <p:stCondLst>
-                        <p:cond delay="indefinite"/>
-                      </p:stCondLst>
-                      <p:childTnLst>
-                        <p:par>
-                          <p:cTn id="8" fill="hold">
-                            <p:stCondLst>
-                              <p:cond delay="0"/>
-                            </p:stCondLst>
-                            <p:childTnLst>
-                              <p:par>
-                                <p:cTn id="9" presetID="1" presetClass="entr" presetSubtype="0" fill="hold" nodeType="clickEffect">
-                                  <p:stCondLst>
-                                    <p:cond delay="0"/>
-                                  </p:stCondLst>
-                                  <p:childTnLst>
-                                    <p:set>
-                                      <p:cBhvr>
-                                        <p:cTn id="10" dur="1" fill="hold">
-                                          <p:stCondLst>
-                                            <p:cond delay="0"/>
-                                          </p:stCondLst>
-                                        </p:cTn>
-                                        <p:tgtEl>
-                                          <p:spTgt spid="6">
-                                            <p:txEl>
-                                              <p:pRg st="2" end="2"/>
-                                            </p:txEl>
-                                          </p:spTgt>
-                                        </p:tgtEl>
-                                        <p:attrNameLst>
-                                          <p:attrName>style.visibility</p:attrName>
-                                        </p:attrNameLst>
-                                      </p:cBhvr>
-                                      <p:to>
-                                        <p:strVal val="visible"/>
-                                      </p:to>
-                                    </p:set>
-                                  </p:childTnLst>
-                                </p:cTn>
-                              </p:par>
-                            </p:childTnLst>
-                          </p:cTn>
-                        </p:par>
-                      </p:childTnLst>
-                    </p:cTn>
-                  </p:par>
-                  <p:par>
-                    <p:cTn id="11" fill="hold">
-                      <p:stCondLst>
-                        <p:cond delay="indefinite"/>
-                      </p:stCondLst>
-                      <p:childTnLst>
-                        <p:par>
-                          <p:cTn id="12" fill="hold">
-                            <p:stCondLst>
-                              <p:cond delay="0"/>
-                            </p:stCondLst>
-                            <p:childTnLst>
-                              <p:par>
-                                <p:cTn id="13" presetID="1" presetClass="entr" presetSubtype="0" fill="hold" nodeType="clickEffect">
-                                  <p:stCondLst>
-                                    <p:cond delay="0"/>
-                                  </p:stCondLst>
-                                  <p:childTnLst>
-                                    <p:set>
-                                      <p:cBhvr>
-                                        <p:cTn id="14" dur="1" fill="hold">
-                                          <p:stCondLst>
-                                            <p:cond delay="0"/>
-                                          </p:stCondLst>
-                                        </p:cTn>
-                                        <p:tgtEl>
-                                          <p:spTgt spid="6">
-                                            <p:txEl>
-                                              <p:pRg st="4" end="4"/>
-                                            </p:txEl>
-                                          </p:spTgt>
-                                        </p:tgtEl>
-                                        <p:attrNameLst>
-                                          <p:attrName>style.visibility</p:attrName>
-                                        </p:attrNameLst>
-                                      </p:cBhvr>
-                                      <p:to>
-                                        <p:strVal val="visible"/>
-                                      </p:to>
-                                    </p:set>
-                                  </p:childTnLst>
-                                </p:cTn>
-                              </p:par>
-                            </p:childTnLst>
-                          </p:cTn>
-                        </p:par>
-                      </p:childTnLst>
-                    </p:cTn>
-                  </p:par>
-                </p:childTnLst>
-              </p:cTn>
-              <p:prevCondLst>
-                <p:cond evt="onPrev" delay="0">
-                  <p:tgtEl>
-                    <p:sldTgt/>
-                  </p:tgtEl>
-                </p:cond>
-              </p:prevCondLst>
-              <p:nextCondLst>
-                <p:cond evt="onNext" delay="0">
-                  <p:tgtEl>
-                    <p:sldTgt/>
-                  </p:tgtEl>
-                </p:cond>
-              </p:nextCondLst>
-            </p:seq>
-          </p:childTnLst>
-        </p:cTn>
-      </p:par>
-    </p:tnLst>
-  </p:timing>
 </p:sld>
 </file>
 
@@ -5730,20 +5556,29 @@
             <a:r>
               <a:rPr lang="en-US" sz="3600" dirty="0">
                 <a:solidFill>
-                  <a:schemeClr val="accent4"/>
+                  <a:schemeClr val="tx2"/>
                 </a:solidFill>
                 <a:latin typeface="Yanone Kaffeesatz Regular" panose="02000000000000000000" pitchFamily="2" charset="0"/>
               </a:rPr>
-              <a:t>Gradually extend</a:t>
+              <a:t>Find the </a:t>
             </a:r>
             <a:r>
               <a:rPr lang="en-US" sz="3600" dirty="0">
                 <a:solidFill>
-                  <a:schemeClr val="tx2"/>
+                  <a:schemeClr val="accent4"/>
                 </a:solidFill>
                 <a:latin typeface="Yanone Kaffeesatz Regular" panose="02000000000000000000" pitchFamily="2" charset="0"/>
               </a:rPr>
-              <a:t> IO-bound paths</a:t>
+              <a:t>IO-bound</a:t>
+            </a:r>
+            <a:r>
+              <a:rPr lang="en-US" sz="3600" dirty="0">
+                <a:solidFill>
+                  <a:schemeClr val="tx2"/>
+                </a:solidFill>
+                <a:latin typeface="Yanone Kaffeesatz Regular" panose="02000000000000000000" pitchFamily="2" charset="0"/>
+              </a:rPr>
+              <a:t> paths in your code</a:t>
             </a:r>
           </a:p>
           <a:p>
@@ -5758,20 +5593,20 @@
             <a:r>
               <a:rPr lang="en-US" sz="3600" dirty="0">
                 <a:solidFill>
-                  <a:schemeClr val="accent4"/>
+                  <a:schemeClr val="tx2"/>
                 </a:solidFill>
                 <a:latin typeface="Yanone Kaffeesatz Regular" panose="02000000000000000000" pitchFamily="2" charset="0"/>
               </a:rPr>
-              <a:t>Never block</a:t>
+              <a:t>Get rid of </a:t>
             </a:r>
             <a:r>
               <a:rPr lang="en-US" sz="3600" dirty="0">
                 <a:solidFill>
-                  <a:schemeClr val="tx2"/>
+                  <a:schemeClr val="accent4"/>
                 </a:solidFill>
                 <a:latin typeface="Yanone Kaffeesatz Regular" panose="02000000000000000000" pitchFamily="2" charset="0"/>
               </a:rPr>
-              <a:t> threads</a:t>
+              <a:t>lock contentions</a:t>
             </a:r>
           </a:p>
           <a:p>
@@ -5786,29 +5621,38 @@
             <a:r>
               <a:rPr lang="en-US" sz="3600" dirty="0">
                 <a:solidFill>
-                  <a:schemeClr val="accent4"/>
+                  <a:schemeClr val="tx2"/>
                 </a:solidFill>
                 <a:latin typeface="Yanone Kaffeesatz Regular" panose="02000000000000000000" pitchFamily="2" charset="0"/>
               </a:rPr>
-              <a:t>Only</a:t>
+              <a:t>If possible use a </a:t>
             </a:r>
             <a:r>
               <a:rPr lang="en-US" sz="3600" dirty="0">
                 <a:solidFill>
-                  <a:schemeClr val="tx2"/>
+                  <a:schemeClr val="accent4"/>
                 </a:solidFill>
                 <a:latin typeface="Yanone Kaffeesatz Regular" panose="02000000000000000000" pitchFamily="2" charset="0"/>
               </a:rPr>
-              <a:t> custom offload </a:t>
+              <a:t>redundant</a:t>
             </a:r>
             <a:r>
               <a:rPr lang="en-US" sz="3600" dirty="0">
                 <a:solidFill>
-                  <a:schemeClr val="accent4"/>
+                  <a:schemeClr val="tx2"/>
                 </a:solidFill>
                 <a:latin typeface="Yanone Kaffeesatz Regular" panose="02000000000000000000" pitchFamily="2" charset="0"/>
               </a:rPr>
-              <a:t>where really necessary</a:t>
+              <a:t> code path that is </a:t>
+            </a:r>
+            <a:r>
+              <a:rPr lang="en-US" sz="3600" dirty="0">
+                <a:solidFill>
+                  <a:schemeClr val="accent4"/>
+                </a:solidFill>
+                <a:latin typeface="Yanone Kaffeesatz Regular" panose="02000000000000000000" pitchFamily="2" charset="0"/>
+              </a:rPr>
+              <a:t>async all the way</a:t>
             </a:r>
           </a:p>
         </p:txBody>
@@ -5850,7 +5694,7 @@
     </p:spTree>
     <p:extLst>
       <p:ext uri="{BB962C8B-B14F-4D97-AF65-F5344CB8AC3E}">
-        <p14:creationId xmlns:p14="http://schemas.microsoft.com/office/powerpoint/2010/main" val="2568260494"/>
+        <p14:creationId xmlns:p14="http://schemas.microsoft.com/office/powerpoint/2010/main" val="2436182924"/>
       </p:ext>
     </p:extLst>
   </p:cSld>
@@ -6097,8 +5941,8 @@
         </p:nvSpPr>
         <p:spPr>
           <a:xfrm>
-            <a:off x="6494333" y="1166842"/>
-            <a:ext cx="5706729" cy="4524315"/>
+            <a:off x="6485270" y="1671407"/>
+            <a:ext cx="5706729" cy="3416320"/>
           </a:xfrm>
           <a:prstGeom prst="rect">
             <a:avLst/>
@@ -6113,29 +5957,20 @@
             <a:r>
               <a:rPr lang="en-US" sz="3600" dirty="0">
                 <a:solidFill>
-                  <a:schemeClr val="tx2"/>
+                  <a:schemeClr val="accent4"/>
                 </a:solidFill>
                 <a:latin typeface="Yanone Kaffeesatz Regular" panose="02000000000000000000" pitchFamily="2" charset="0"/>
               </a:rPr>
-              <a:t>On .NET 5 consider </a:t>
-            </a:r>
-            <a:r>
-              <a:rPr lang="en-US" sz="3600" dirty="0" err="1">
-                <a:solidFill>
-                  <a:schemeClr val="accent4"/>
+              <a:t>Gradually extend</a:t>
+            </a:r>
+            <a:r>
+              <a:rPr lang="en-US" sz="3600" dirty="0">
+                <a:solidFill>
+                  <a:schemeClr val="tx2"/>
                 </a:solidFill>
                 <a:latin typeface="Yanone Kaffeesatz Regular" panose="02000000000000000000" pitchFamily="2" charset="0"/>
               </a:rPr>
-              <a:t>ValueTask</a:t>
-            </a:r>
-            <a:r>
-              <a:rPr lang="en-US" sz="3600" dirty="0">
-                <a:solidFill>
-                  <a:schemeClr val="tx2"/>
-                </a:solidFill>
-                <a:latin typeface="Yanone Kaffeesatz Regular" panose="02000000000000000000" pitchFamily="2" charset="0"/>
-              </a:rPr>
-              <a:t> to benefit from pooling</a:t>
+              <a:t> IO-bound paths</a:t>
             </a:r>
           </a:p>
           <a:p>
@@ -6154,7 +5989,7 @@
                 </a:solidFill>
                 <a:latin typeface="Yanone Kaffeesatz Regular" panose="02000000000000000000" pitchFamily="2" charset="0"/>
               </a:rPr>
-              <a:t>Leverage</a:t>
+              <a:t>Never block</a:t>
             </a:r>
             <a:r>
               <a:rPr lang="en-US" sz="3600" dirty="0">
@@ -6163,25 +5998,7 @@
                 </a:solidFill>
                 <a:latin typeface="Yanone Kaffeesatz Regular" panose="02000000000000000000" pitchFamily="2" charset="0"/>
               </a:rPr>
-              <a:t> existing battle tested </a:t>
-            </a:r>
-            <a:r>
-              <a:rPr lang="en-US" sz="3600" dirty="0">
-                <a:solidFill>
-                  <a:schemeClr val="accent4"/>
-                </a:solidFill>
-                <a:latin typeface="Yanone Kaffeesatz Regular" panose="02000000000000000000" pitchFamily="2" charset="0"/>
-              </a:rPr>
-              <a:t>reliable BCL components</a:t>
-            </a:r>
-            <a:r>
-              <a:rPr lang="en-US" sz="3600" dirty="0">
-                <a:solidFill>
-                  <a:schemeClr val="tx2"/>
-                </a:solidFill>
-                <a:latin typeface="Yanone Kaffeesatz Regular" panose="02000000000000000000" pitchFamily="2" charset="0"/>
-              </a:rPr>
-              <a:t> where you can</a:t>
+              <a:t> threads</a:t>
             </a:r>
           </a:p>
           <a:p>
@@ -6196,29 +6013,29 @@
             <a:r>
               <a:rPr lang="en-US" sz="3600" dirty="0">
                 <a:solidFill>
-                  <a:schemeClr val="tx2"/>
+                  <a:schemeClr val="accent4"/>
                 </a:solidFill>
                 <a:latin typeface="Yanone Kaffeesatz Regular" panose="02000000000000000000" pitchFamily="2" charset="0"/>
               </a:rPr>
-              <a:t>If you can, </a:t>
+              <a:t>Only</a:t>
             </a:r>
             <a:r>
               <a:rPr lang="en-US" sz="3600" dirty="0">
                 <a:solidFill>
-                  <a:schemeClr val="accent4"/>
+                  <a:schemeClr val="tx2"/>
                 </a:solidFill>
                 <a:latin typeface="Yanone Kaffeesatz Regular" panose="02000000000000000000" pitchFamily="2" charset="0"/>
               </a:rPr>
-              <a:t>contribute back to OSS</a:t>
+              <a:t> custom offload </a:t>
             </a:r>
             <a:r>
               <a:rPr lang="en-US" sz="3600" dirty="0">
                 <a:solidFill>
-                  <a:schemeClr val="tx2"/>
+                  <a:schemeClr val="accent4"/>
                 </a:solidFill>
                 <a:latin typeface="Yanone Kaffeesatz Regular" panose="02000000000000000000" pitchFamily="2" charset="0"/>
               </a:rPr>
-              <a:t> that you use in your company</a:t>
+              <a:t>where really necessary</a:t>
             </a:r>
           </a:p>
         </p:txBody>
@@ -6260,7 +6077,7 @@
     </p:spTree>
     <p:extLst>
       <p:ext uri="{BB962C8B-B14F-4D97-AF65-F5344CB8AC3E}">
-        <p14:creationId xmlns:p14="http://schemas.microsoft.com/office/powerpoint/2010/main" val="3671134868"/>
+        <p14:creationId xmlns:p14="http://schemas.microsoft.com/office/powerpoint/2010/main" val="2568260494"/>
       </p:ext>
     </p:extLst>
   </p:cSld>
@@ -6466,48 +6283,394 @@
       </p:grpSpPr>
       <p:sp>
         <p:nvSpPr>
-          <p:cNvPr id="2" name="Rectangle 1"/>
+          <p:cNvPr id="5" name="Rectangle 4"/>
           <p:cNvSpPr/>
           <p:nvPr/>
         </p:nvSpPr>
         <p:spPr>
           <a:xfrm>
-            <a:off x="3176771" y="1851645"/>
-            <a:ext cx="5838458" cy="3154710"/>
+            <a:off x="0" y="1952437"/>
+            <a:ext cx="4999912" cy="2646878"/>
           </a:xfrm>
           <a:prstGeom prst="rect">
             <a:avLst/>
           </a:prstGeom>
         </p:spPr>
         <p:txBody>
-          <a:bodyPr wrap="none">
+          <a:bodyPr wrap="square">
             <a:spAutoFit/>
           </a:bodyPr>
           <a:lstStyle/>
           <a:p>
-            <a:r>
-              <a:rPr lang="en-US" sz="19900" dirty="0">
+            <a:pPr algn="ctr"/>
+            <a:r>
+              <a:rPr lang="en-US" sz="16600" dirty="0">
                 <a:solidFill>
                   <a:schemeClr val="accent2"/>
                 </a:solidFill>
                 <a:latin typeface="Yanone Kaffeesatz Regular" panose="02000000000000000000" pitchFamily="2" charset="0"/>
               </a:rPr>
-              <a:t>Thanks</a:t>
-            </a:r>
-            <a:endParaRPr lang="de-CH" sz="2000" dirty="0"/>
+              <a:t>Recap</a:t>
+            </a:r>
+            <a:endParaRPr lang="de-CH" dirty="0"/>
+          </a:p>
+        </p:txBody>
+      </p:sp>
+      <p:sp>
+        <p:nvSpPr>
+          <p:cNvPr id="6" name="Rectangle 5"/>
+          <p:cNvSpPr/>
+          <p:nvPr/>
+        </p:nvSpPr>
+        <p:spPr>
+          <a:xfrm>
+            <a:off x="6494333" y="1166842"/>
+            <a:ext cx="5706729" cy="4524315"/>
+          </a:xfrm>
+          <a:prstGeom prst="rect">
+            <a:avLst/>
+          </a:prstGeom>
+        </p:spPr>
+        <p:txBody>
+          <a:bodyPr wrap="square">
+            <a:spAutoFit/>
+          </a:bodyPr>
+          <a:lstStyle/>
+          <a:p>
+            <a:r>
+              <a:rPr lang="en-US" sz="3600" dirty="0">
+                <a:solidFill>
+                  <a:schemeClr val="tx2"/>
+                </a:solidFill>
+                <a:latin typeface="Yanone Kaffeesatz Regular" panose="02000000000000000000" pitchFamily="2" charset="0"/>
+              </a:rPr>
+              <a:t>On .NET 5 consider </a:t>
+            </a:r>
+            <a:r>
+              <a:rPr lang="en-US" sz="3600" dirty="0" err="1">
+                <a:solidFill>
+                  <a:schemeClr val="accent4"/>
+                </a:solidFill>
+                <a:latin typeface="Yanone Kaffeesatz Regular" panose="02000000000000000000" pitchFamily="2" charset="0"/>
+              </a:rPr>
+              <a:t>ValueTask</a:t>
+            </a:r>
+            <a:r>
+              <a:rPr lang="en-US" sz="3600" dirty="0">
+                <a:solidFill>
+                  <a:schemeClr val="tx2"/>
+                </a:solidFill>
+                <a:latin typeface="Yanone Kaffeesatz Regular" panose="02000000000000000000" pitchFamily="2" charset="0"/>
+              </a:rPr>
+              <a:t> to benefit from pooling</a:t>
+            </a:r>
+          </a:p>
+          <a:p>
+            <a:endParaRPr lang="en-US" sz="3600" dirty="0">
+              <a:solidFill>
+                <a:schemeClr val="tx2"/>
+              </a:solidFill>
+              <a:latin typeface="Yanone Kaffeesatz Regular" panose="02000000000000000000" pitchFamily="2" charset="0"/>
+            </a:endParaRPr>
+          </a:p>
+          <a:p>
+            <a:r>
+              <a:rPr lang="en-US" sz="3600" dirty="0">
+                <a:solidFill>
+                  <a:schemeClr val="accent4"/>
+                </a:solidFill>
+                <a:latin typeface="Yanone Kaffeesatz Regular" panose="02000000000000000000" pitchFamily="2" charset="0"/>
+              </a:rPr>
+              <a:t>Leverage</a:t>
+            </a:r>
+            <a:r>
+              <a:rPr lang="en-US" sz="3600" dirty="0">
+                <a:solidFill>
+                  <a:schemeClr val="tx2"/>
+                </a:solidFill>
+                <a:latin typeface="Yanone Kaffeesatz Regular" panose="02000000000000000000" pitchFamily="2" charset="0"/>
+              </a:rPr>
+              <a:t> existing battle tested </a:t>
+            </a:r>
+            <a:r>
+              <a:rPr lang="en-US" sz="3600" dirty="0">
+                <a:solidFill>
+                  <a:schemeClr val="accent4"/>
+                </a:solidFill>
+                <a:latin typeface="Yanone Kaffeesatz Regular" panose="02000000000000000000" pitchFamily="2" charset="0"/>
+              </a:rPr>
+              <a:t>reliable BCL components</a:t>
+            </a:r>
+            <a:r>
+              <a:rPr lang="en-US" sz="3600" dirty="0">
+                <a:solidFill>
+                  <a:schemeClr val="tx2"/>
+                </a:solidFill>
+                <a:latin typeface="Yanone Kaffeesatz Regular" panose="02000000000000000000" pitchFamily="2" charset="0"/>
+              </a:rPr>
+              <a:t> where you can</a:t>
+            </a:r>
+          </a:p>
+          <a:p>
+            <a:endParaRPr lang="en-US" sz="3600" dirty="0">
+              <a:solidFill>
+                <a:schemeClr val="tx2"/>
+              </a:solidFill>
+              <a:latin typeface="Yanone Kaffeesatz Regular" panose="02000000000000000000" pitchFamily="2" charset="0"/>
+            </a:endParaRPr>
+          </a:p>
+          <a:p>
+            <a:r>
+              <a:rPr lang="en-US" sz="3600" dirty="0">
+                <a:solidFill>
+                  <a:schemeClr val="tx2"/>
+                </a:solidFill>
+                <a:latin typeface="Yanone Kaffeesatz Regular" panose="02000000000000000000" pitchFamily="2" charset="0"/>
+              </a:rPr>
+              <a:t>If you can, </a:t>
+            </a:r>
+            <a:r>
+              <a:rPr lang="en-US" sz="3600" dirty="0">
+                <a:solidFill>
+                  <a:schemeClr val="accent4"/>
+                </a:solidFill>
+                <a:latin typeface="Yanone Kaffeesatz Regular" panose="02000000000000000000" pitchFamily="2" charset="0"/>
+              </a:rPr>
+              <a:t>contribute back to OSS</a:t>
+            </a:r>
+            <a:r>
+              <a:rPr lang="en-US" sz="3600" dirty="0">
+                <a:solidFill>
+                  <a:schemeClr val="tx2"/>
+                </a:solidFill>
+                <a:latin typeface="Yanone Kaffeesatz Regular" panose="02000000000000000000" pitchFamily="2" charset="0"/>
+              </a:rPr>
+              <a:t> that you use in your company</a:t>
+            </a:r>
+          </a:p>
+        </p:txBody>
+      </p:sp>
+      <p:sp>
+        <p:nvSpPr>
+          <p:cNvPr id="7" name="Rectangle 6"/>
+          <p:cNvSpPr/>
+          <p:nvPr/>
+        </p:nvSpPr>
+        <p:spPr>
+          <a:xfrm>
+            <a:off x="1" y="4399885"/>
+            <a:ext cx="6494332" cy="1200329"/>
+          </a:xfrm>
+          <a:prstGeom prst="rect">
+            <a:avLst/>
+          </a:prstGeom>
+        </p:spPr>
+        <p:txBody>
+          <a:bodyPr wrap="square">
+            <a:spAutoFit/>
+          </a:bodyPr>
+          <a:lstStyle/>
+          <a:p>
+            <a:pPr algn="ctr"/>
+            <a:r>
+              <a:rPr lang="en-US" sz="7200" dirty="0">
+                <a:solidFill>
+                  <a:schemeClr val="accent3"/>
+                </a:solidFill>
+                <a:latin typeface="Yanone Kaffeesatz Regular" panose="02000000000000000000" pitchFamily="2" charset="0"/>
+              </a:rPr>
+              <a:t>reminder</a:t>
+            </a:r>
           </a:p>
         </p:txBody>
       </p:sp>
     </p:spTree>
     <p:extLst>
       <p:ext uri="{BB962C8B-B14F-4D97-AF65-F5344CB8AC3E}">
-        <p14:creationId xmlns:p14="http://schemas.microsoft.com/office/powerpoint/2010/main" val="697477994"/>
+        <p14:creationId xmlns:p14="http://schemas.microsoft.com/office/powerpoint/2010/main" val="3671134868"/>
       </p:ext>
     </p:extLst>
   </p:cSld>
   <p:clrMapOvr>
     <a:masterClrMapping/>
   </p:clrMapOvr>
+  <p:timing>
+    <p:tnLst>
+      <p:par>
+        <p:cTn id="1" dur="indefinite" restart="never" nodeType="tmRoot">
+          <p:childTnLst>
+            <p:seq concurrent="1" nextAc="seek">
+              <p:cTn id="2" dur="indefinite" nodeType="mainSeq">
+                <p:childTnLst>
+                  <p:par>
+                    <p:cTn id="3" fill="hold">
+                      <p:stCondLst>
+                        <p:cond delay="indefinite"/>
+                      </p:stCondLst>
+                      <p:childTnLst>
+                        <p:par>
+                          <p:cTn id="4" fill="hold">
+                            <p:stCondLst>
+                              <p:cond delay="0"/>
+                            </p:stCondLst>
+                            <p:childTnLst>
+                              <p:par>
+                                <p:cTn id="5" presetID="1" presetClass="entr" presetSubtype="0" fill="hold" nodeType="clickEffect">
+                                  <p:stCondLst>
+                                    <p:cond delay="0"/>
+                                  </p:stCondLst>
+                                  <p:childTnLst>
+                                    <p:set>
+                                      <p:cBhvr>
+                                        <p:cTn id="6" dur="1" fill="hold">
+                                          <p:stCondLst>
+                                            <p:cond delay="0"/>
+                                          </p:stCondLst>
+                                        </p:cTn>
+                                        <p:tgtEl>
+                                          <p:spTgt spid="6">
+                                            <p:txEl>
+                                              <p:pRg st="0" end="0"/>
+                                            </p:txEl>
+                                          </p:spTgt>
+                                        </p:tgtEl>
+                                        <p:attrNameLst>
+                                          <p:attrName>style.visibility</p:attrName>
+                                        </p:attrNameLst>
+                                      </p:cBhvr>
+                                      <p:to>
+                                        <p:strVal val="visible"/>
+                                      </p:to>
+                                    </p:set>
+                                  </p:childTnLst>
+                                </p:cTn>
+                              </p:par>
+                            </p:childTnLst>
+                          </p:cTn>
+                        </p:par>
+                      </p:childTnLst>
+                    </p:cTn>
+                  </p:par>
+                  <p:par>
+                    <p:cTn id="7" fill="hold">
+                      <p:stCondLst>
+                        <p:cond delay="indefinite"/>
+                      </p:stCondLst>
+                      <p:childTnLst>
+                        <p:par>
+                          <p:cTn id="8" fill="hold">
+                            <p:stCondLst>
+                              <p:cond delay="0"/>
+                            </p:stCondLst>
+                            <p:childTnLst>
+                              <p:par>
+                                <p:cTn id="9" presetID="1" presetClass="entr" presetSubtype="0" fill="hold" nodeType="clickEffect">
+                                  <p:stCondLst>
+                                    <p:cond delay="0"/>
+                                  </p:stCondLst>
+                                  <p:childTnLst>
+                                    <p:set>
+                                      <p:cBhvr>
+                                        <p:cTn id="10" dur="1" fill="hold">
+                                          <p:stCondLst>
+                                            <p:cond delay="0"/>
+                                          </p:stCondLst>
+                                        </p:cTn>
+                                        <p:tgtEl>
+                                          <p:spTgt spid="6">
+                                            <p:txEl>
+                                              <p:pRg st="2" end="2"/>
+                                            </p:txEl>
+                                          </p:spTgt>
+                                        </p:tgtEl>
+                                        <p:attrNameLst>
+                                          <p:attrName>style.visibility</p:attrName>
+                                        </p:attrNameLst>
+                                      </p:cBhvr>
+                                      <p:to>
+                                        <p:strVal val="visible"/>
+                                      </p:to>
+                                    </p:set>
+                                  </p:childTnLst>
+                                </p:cTn>
+                              </p:par>
+                            </p:childTnLst>
+                          </p:cTn>
+                        </p:par>
+                      </p:childTnLst>
+                    </p:cTn>
+                  </p:par>
+                  <p:par>
+                    <p:cTn id="11" fill="hold">
+                      <p:stCondLst>
+                        <p:cond delay="indefinite"/>
+                      </p:stCondLst>
+                      <p:childTnLst>
+                        <p:par>
+                          <p:cTn id="12" fill="hold">
+                            <p:stCondLst>
+                              <p:cond delay="0"/>
+                            </p:stCondLst>
+                            <p:childTnLst>
+                              <p:par>
+                                <p:cTn id="13" presetID="1" presetClass="entr" presetSubtype="0" fill="hold" nodeType="clickEffect">
+                                  <p:stCondLst>
+                                    <p:cond delay="0"/>
+                                  </p:stCondLst>
+                                  <p:childTnLst>
+                                    <p:set>
+                                      <p:cBhvr>
+                                        <p:cTn id="14" dur="1" fill="hold">
+                                          <p:stCondLst>
+                                            <p:cond delay="0"/>
+                                          </p:stCondLst>
+                                        </p:cTn>
+                                        <p:tgtEl>
+                                          <p:spTgt spid="6">
+                                            <p:txEl>
+                                              <p:pRg st="4" end="4"/>
+                                            </p:txEl>
+                                          </p:spTgt>
+                                        </p:tgtEl>
+                                        <p:attrNameLst>
+                                          <p:attrName>style.visibility</p:attrName>
+                                        </p:attrNameLst>
+                                      </p:cBhvr>
+                                      <p:to>
+                                        <p:strVal val="visible"/>
+                                      </p:to>
+                                    </p:set>
+                                  </p:childTnLst>
+                                </p:cTn>
+                              </p:par>
+                            </p:childTnLst>
+                          </p:cTn>
+                        </p:par>
+                      </p:childTnLst>
+                    </p:cTn>
+                  </p:par>
+                </p:childTnLst>
+              </p:cTn>
+              <p:prevCondLst>
+                <p:cond evt="onPrev" delay="0">
+                  <p:tgtEl>
+                    <p:sldTgt/>
+                  </p:tgtEl>
+                </p:cond>
+              </p:prevCondLst>
+              <p:nextCondLst>
+                <p:cond evt="onNext" delay="0">
+                  <p:tgtEl>
+                    <p:sldTgt/>
+                  </p:tgtEl>
+                </p:cond>
+              </p:nextCondLst>
+            </p:seq>
+          </p:childTnLst>
+        </p:cTn>
+      </p:par>
+    </p:tnLst>
+  </p:timing>
 </p:sld>
 </file>
 
@@ -6536,8 +6699,8 @@
         </p:nvSpPr>
         <p:spPr>
           <a:xfrm>
-            <a:off x="1064014" y="3127733"/>
-            <a:ext cx="7386959" cy="923330"/>
+            <a:off x="3176771" y="1851645"/>
+            <a:ext cx="5838458" cy="3154710"/>
           </a:xfrm>
           <a:prstGeom prst="rect">
             <a:avLst/>
@@ -6550,88 +6713,22 @@
           <a:lstStyle/>
           <a:p>
             <a:r>
-              <a:rPr lang="en-US" sz="3600" dirty="0">
-                <a:solidFill>
-                  <a:schemeClr val="tx2"/>
+              <a:rPr lang="en-US" sz="19900" dirty="0">
+                <a:solidFill>
+                  <a:schemeClr val="accent2"/>
                 </a:solidFill>
                 <a:latin typeface="Yanone Kaffeesatz Regular" panose="02000000000000000000" pitchFamily="2" charset="0"/>
               </a:rPr>
-              <a:t>github.com/</a:t>
-            </a:r>
-            <a:r>
-              <a:rPr lang="en-US" sz="3600" dirty="0" err="1">
-                <a:solidFill>
-                  <a:schemeClr val="tx2"/>
-                </a:solidFill>
-                <a:latin typeface="Yanone Kaffeesatz Regular" panose="02000000000000000000" pitchFamily="2" charset="0"/>
-              </a:rPr>
-              <a:t>danielmarbach</a:t>
-            </a:r>
-            <a:r>
-              <a:rPr lang="en-US" sz="3600" dirty="0">
-                <a:solidFill>
-                  <a:schemeClr val="tx2"/>
-                </a:solidFill>
-                <a:latin typeface="Yanone Kaffeesatz Regular" panose="02000000000000000000" pitchFamily="2" charset="0"/>
-              </a:rPr>
-              <a:t>/</a:t>
-            </a:r>
-            <a:r>
-              <a:rPr lang="en-US" sz="5400" dirty="0" err="1">
-                <a:solidFill>
-                  <a:schemeClr val="accent4"/>
-                </a:solidFill>
-                <a:latin typeface="Yanone Kaffeesatz Regular" panose="02000000000000000000" pitchFamily="2" charset="0"/>
-              </a:rPr>
-              <a:t>AsyncRabbitMQ</a:t>
-            </a:r>
-            <a:endParaRPr lang="de-CH" sz="5400" dirty="0">
-              <a:solidFill>
-                <a:schemeClr val="accent4"/>
-              </a:solidFill>
-              <a:latin typeface="Yanone Kaffeesatz Regular" panose="02000000000000000000" pitchFamily="2" charset="0"/>
-            </a:endParaRPr>
-          </a:p>
-        </p:txBody>
-      </p:sp>
-      <p:sp>
-        <p:nvSpPr>
-          <p:cNvPr id="4" name="Rectangle 3"/>
-          <p:cNvSpPr/>
-          <p:nvPr/>
-        </p:nvSpPr>
-        <p:spPr>
-          <a:xfrm>
-            <a:off x="1064014" y="1124536"/>
-            <a:ext cx="6463629" cy="1862048"/>
-          </a:xfrm>
-          <a:prstGeom prst="rect">
-            <a:avLst/>
-          </a:prstGeom>
-        </p:spPr>
-        <p:txBody>
-          <a:bodyPr wrap="none">
-            <a:spAutoFit/>
-          </a:bodyPr>
-          <a:lstStyle/>
-          <a:p>
-            <a:r>
-              <a:rPr lang="en-US" sz="11500" dirty="0">
-                <a:solidFill>
-                  <a:schemeClr val="accent2"/>
-                </a:solidFill>
-                <a:latin typeface="Yanone Kaffeesatz Regular" panose="02000000000000000000" pitchFamily="2" charset="0"/>
-              </a:rPr>
-              <a:t>Slides, Links…</a:t>
-            </a:r>
-            <a:endParaRPr lang="de-CH" sz="1400" dirty="0"/>
+              <a:t>Thanks</a:t>
+            </a:r>
+            <a:endParaRPr lang="de-CH" sz="2000" dirty="0"/>
           </a:p>
         </p:txBody>
       </p:sp>
     </p:spTree>
     <p:extLst>
       <p:ext uri="{BB962C8B-B14F-4D97-AF65-F5344CB8AC3E}">
-        <p14:creationId xmlns:p14="http://schemas.microsoft.com/office/powerpoint/2010/main" val="1581449120"/>
+        <p14:creationId xmlns:p14="http://schemas.microsoft.com/office/powerpoint/2010/main" val="697477994"/>
       </p:ext>
     </p:extLst>
   </p:cSld>
@@ -6666,94 +6763,74 @@
         </p:nvSpPr>
         <p:spPr>
           <a:xfrm>
-            <a:off x="7394233" y="2132714"/>
-            <a:ext cx="6096000" cy="2246769"/>
+            <a:off x="1064014" y="3127733"/>
+            <a:ext cx="7386959" cy="923330"/>
           </a:xfrm>
           <a:prstGeom prst="rect">
             <a:avLst/>
           </a:prstGeom>
         </p:spPr>
         <p:txBody>
-          <a:bodyPr>
+          <a:bodyPr wrap="none">
             <a:spAutoFit/>
           </a:bodyPr>
           <a:lstStyle/>
           <a:p>
             <a:r>
-              <a:rPr lang="en-US" sz="2800" dirty="0">
-                <a:solidFill>
-                  <a:schemeClr val="accent4"/>
+              <a:rPr lang="en-US" sz="3600" dirty="0">
+                <a:solidFill>
+                  <a:schemeClr val="tx2"/>
                 </a:solidFill>
                 <a:latin typeface="Yanone Kaffeesatz Regular" panose="02000000000000000000" pitchFamily="2" charset="0"/>
               </a:rPr>
-              <a:t>daniel.marbach@particular.net</a:t>
-            </a:r>
-            <a:br>
-              <a:rPr lang="en-US" sz="2800" dirty="0">
-                <a:solidFill>
-                  <a:schemeClr val="accent4"/>
+              <a:t>github.com/</a:t>
+            </a:r>
+            <a:r>
+              <a:rPr lang="en-US" sz="3600" dirty="0" err="1">
+                <a:solidFill>
+                  <a:schemeClr val="tx2"/>
                 </a:solidFill>
                 <a:latin typeface="Yanone Kaffeesatz Regular" panose="02000000000000000000" pitchFamily="2" charset="0"/>
               </a:rPr>
-            </a:br>
-            <a:endParaRPr lang="en-US" sz="2800" dirty="0">
+              <a:t>danielmarbach</a:t>
+            </a:r>
+            <a:r>
+              <a:rPr lang="en-US" sz="3600" dirty="0">
+                <a:solidFill>
+                  <a:schemeClr val="tx2"/>
+                </a:solidFill>
+                <a:latin typeface="Yanone Kaffeesatz Regular" panose="02000000000000000000" pitchFamily="2" charset="0"/>
+              </a:rPr>
+              <a:t>/</a:t>
+            </a:r>
+            <a:r>
+              <a:rPr lang="en-US" sz="5400" dirty="0" err="1">
+                <a:solidFill>
+                  <a:schemeClr val="accent4"/>
+                </a:solidFill>
+                <a:latin typeface="Yanone Kaffeesatz Regular" panose="02000000000000000000" pitchFamily="2" charset="0"/>
+              </a:rPr>
+              <a:t>AsyncRabbitMQ</a:t>
+            </a:r>
+            <a:endParaRPr lang="de-CH" sz="5400" dirty="0">
               <a:solidFill>
                 <a:schemeClr val="accent4"/>
               </a:solidFill>
               <a:latin typeface="Yanone Kaffeesatz Regular" panose="02000000000000000000" pitchFamily="2" charset="0"/>
             </a:endParaRPr>
           </a:p>
-          <a:p>
-            <a:r>
-              <a:rPr lang="en-US" sz="2800" dirty="0">
-                <a:solidFill>
-                  <a:schemeClr val="accent4"/>
-                </a:solidFill>
-                <a:latin typeface="Yanone Kaffeesatz Regular" panose="02000000000000000000" pitchFamily="2" charset="0"/>
-              </a:rPr>
-              <a:t>@danielmarbach</a:t>
-            </a:r>
-          </a:p>
-          <a:p>
-            <a:r>
-              <a:rPr lang="en-US" sz="2800" dirty="0">
-                <a:solidFill>
-                  <a:schemeClr val="accent4"/>
-                </a:solidFill>
-                <a:latin typeface="Yanone Kaffeesatz Regular" panose="02000000000000000000" pitchFamily="2" charset="0"/>
-              </a:rPr>
-              <a:t>particular.net/blog</a:t>
-            </a:r>
-          </a:p>
-          <a:p>
-            <a:r>
-              <a:rPr lang="en-US" sz="2800" dirty="0">
-                <a:solidFill>
-                  <a:schemeClr val="accent4"/>
-                </a:solidFill>
-                <a:latin typeface="Yanone Kaffeesatz Regular" panose="02000000000000000000" pitchFamily="2" charset="0"/>
-              </a:rPr>
-              <a:t>planetgeek.ch</a:t>
-            </a:r>
-          </a:p>
-        </p:txBody>
-      </p:sp>
-      <p:sp>
-        <p:nvSpPr>
-          <p:cNvPr id="5" name="Rectangle 4">
-            <a:extLst>
-              <a:ext uri="{FF2B5EF4-FFF2-40B4-BE49-F238E27FC236}">
-                <a16:creationId xmlns:a16="http://schemas.microsoft.com/office/drawing/2014/main" id="{334D3B51-72CD-4CBE-ACE7-25E4064F9CC7}"/>
-              </a:ext>
-            </a:extLst>
-          </p:cNvPr>
+        </p:txBody>
+      </p:sp>
+      <p:sp>
+        <p:nvSpPr>
+          <p:cNvPr id="4" name="Rectangle 3"/>
           <p:cNvSpPr/>
           <p:nvPr/>
         </p:nvSpPr>
         <p:spPr>
           <a:xfrm>
-            <a:off x="1379418" y="1678743"/>
-            <a:ext cx="4474302" cy="3154710"/>
+            <a:off x="1064014" y="1124536"/>
+            <a:ext cx="6463629" cy="1862048"/>
           </a:xfrm>
           <a:prstGeom prst="rect">
             <a:avLst/>
@@ -6766,22 +6843,22 @@
           <a:lstStyle/>
           <a:p>
             <a:r>
-              <a:rPr lang="en-US" sz="19900" dirty="0">
+              <a:rPr lang="en-US" sz="11500" dirty="0">
                 <a:solidFill>
                   <a:schemeClr val="accent2"/>
                 </a:solidFill>
                 <a:latin typeface="Yanone Kaffeesatz Regular" panose="02000000000000000000" pitchFamily="2" charset="0"/>
               </a:rPr>
-              <a:t>Q &amp; A</a:t>
-            </a:r>
-            <a:endParaRPr lang="de-CH" sz="2000" dirty="0"/>
+              <a:t>Slides, Links…</a:t>
+            </a:r>
+            <a:endParaRPr lang="de-CH" sz="1400" dirty="0"/>
           </a:p>
         </p:txBody>
       </p:sp>
     </p:spTree>
     <p:extLst>
       <p:ext uri="{BB962C8B-B14F-4D97-AF65-F5344CB8AC3E}">
-        <p14:creationId xmlns:p14="http://schemas.microsoft.com/office/powerpoint/2010/main" val="3601279917"/>
+        <p14:creationId xmlns:p14="http://schemas.microsoft.com/office/powerpoint/2010/main" val="1581449120"/>
       </p:ext>
     </p:extLst>
   </p:cSld>

--- a/presentation.pptx
+++ b/presentation.pptx
@@ -5,20 +5,21 @@
     <p:sldMasterId id="2147483684" r:id="rId1"/>
   </p:sldMasterIdLst>
   <p:notesMasterIdLst>
-    <p:notesMasterId r:id="rId13"/>
+    <p:notesMasterId r:id="rId14"/>
   </p:notesMasterIdLst>
   <p:sldIdLst>
     <p:sldId id="491" r:id="rId2"/>
     <p:sldId id="277" r:id="rId3"/>
     <p:sldId id="494" r:id="rId4"/>
-    <p:sldId id="499" r:id="rId5"/>
-    <p:sldId id="273" r:id="rId6"/>
-    <p:sldId id="497" r:id="rId7"/>
-    <p:sldId id="498" r:id="rId8"/>
-    <p:sldId id="489" r:id="rId9"/>
-    <p:sldId id="267" r:id="rId10"/>
-    <p:sldId id="268" r:id="rId11"/>
-    <p:sldId id="279" r:id="rId12"/>
+    <p:sldId id="500" r:id="rId5"/>
+    <p:sldId id="499" r:id="rId6"/>
+    <p:sldId id="273" r:id="rId7"/>
+    <p:sldId id="497" r:id="rId8"/>
+    <p:sldId id="498" r:id="rId9"/>
+    <p:sldId id="489" r:id="rId10"/>
+    <p:sldId id="267" r:id="rId11"/>
+    <p:sldId id="268" r:id="rId12"/>
+    <p:sldId id="279" r:id="rId13"/>
   </p:sldIdLst>
   <p:sldSz cx="12192000" cy="6858000"/>
   <p:notesSz cx="6858000" cy="9144000"/>
@@ -125,6 +126,7 @@
             <p14:sldId id="491"/>
             <p14:sldId id="277"/>
             <p14:sldId id="494"/>
+            <p14:sldId id="500"/>
             <p14:sldId id="499"/>
           </p14:sldIdLst>
         </p14:section>
@@ -663,6 +665,90 @@
     </p:spTree>
     <p:extLst>
       <p:ext uri="{BB962C8B-B14F-4D97-AF65-F5344CB8AC3E}">
+        <p14:creationId xmlns:p14="http://schemas.microsoft.com/office/powerpoint/2010/main" val="88145516"/>
+      </p:ext>
+    </p:extLst>
+  </p:cSld>
+  <p:clrMapOvr>
+    <a:masterClrMapping/>
+  </p:clrMapOvr>
+</p:notes>
+</file>
+
+<file path=ppt/notesSlides/notesSlide11.xml><?xml version="1.0" encoding="utf-8"?>
+<p:notes xmlns:a="http://schemas.openxmlformats.org/drawingml/2006/main" xmlns:r="http://schemas.openxmlformats.org/officeDocument/2006/relationships" xmlns:p="http://schemas.openxmlformats.org/presentationml/2006/main">
+  <p:cSld>
+    <p:spTree>
+      <p:nvGrpSpPr>
+        <p:cNvPr id="1" name=""/>
+        <p:cNvGrpSpPr/>
+        <p:nvPr/>
+      </p:nvGrpSpPr>
+      <p:grpSpPr>
+        <a:xfrm>
+          <a:off x="0" y="0"/>
+          <a:ext cx="0" cy="0"/>
+          <a:chOff x="0" y="0"/>
+          <a:chExt cx="0" cy="0"/>
+        </a:xfrm>
+      </p:grpSpPr>
+      <p:sp>
+        <p:nvSpPr>
+          <p:cNvPr id="2" name="Slide Image Placeholder 1"/>
+          <p:cNvSpPr>
+            <a:spLocks noGrp="1" noRot="1" noChangeAspect="1"/>
+          </p:cNvSpPr>
+          <p:nvPr>
+            <p:ph type="sldImg"/>
+          </p:nvPr>
+        </p:nvSpPr>
+        <p:spPr/>
+      </p:sp>
+      <p:sp>
+        <p:nvSpPr>
+          <p:cNvPr id="3" name="Notes Placeholder 2"/>
+          <p:cNvSpPr>
+            <a:spLocks noGrp="1"/>
+          </p:cNvSpPr>
+          <p:nvPr>
+            <p:ph type="body" idx="1"/>
+          </p:nvPr>
+        </p:nvSpPr>
+        <p:spPr/>
+        <p:txBody>
+          <a:bodyPr/>
+          <a:lstStyle/>
+          <a:p>
+            <a:endParaRPr lang="de-CH" dirty="0"/>
+          </a:p>
+        </p:txBody>
+      </p:sp>
+      <p:sp>
+        <p:nvSpPr>
+          <p:cNvPr id="4" name="Slide Number Placeholder 3"/>
+          <p:cNvSpPr>
+            <a:spLocks noGrp="1"/>
+          </p:cNvSpPr>
+          <p:nvPr>
+            <p:ph type="sldNum" sz="quarter" idx="10"/>
+          </p:nvPr>
+        </p:nvSpPr>
+        <p:spPr/>
+        <p:txBody>
+          <a:bodyPr/>
+          <a:lstStyle/>
+          <a:p>
+            <a:fld id="{9BCA07FD-5BD5-4529-84B0-48DD2C561176}" type="slidenum">
+              <a:rPr lang="de-CH" smtClean="0"/>
+              <a:t>12</a:t>
+            </a:fld>
+            <a:endParaRPr lang="de-CH"/>
+          </a:p>
+        </p:txBody>
+      </p:sp>
+    </p:spTree>
+    <p:extLst>
+      <p:ext uri="{BB962C8B-B14F-4D97-AF65-F5344CB8AC3E}">
         <p14:creationId xmlns:p14="http://schemas.microsoft.com/office/powerpoint/2010/main" val="3949593976"/>
       </p:ext>
     </p:extLst>
@@ -885,7 +971,7 @@
           <a:bodyPr/>
           <a:lstStyle/>
           <a:p>
-            <a:endParaRPr lang="de-CH" dirty="0"/>
+            <a:endParaRPr lang="en-US" baseline="0" dirty="0"/>
           </a:p>
         </p:txBody>
       </p:sp>
@@ -906,7 +992,7 @@
           <a:p>
             <a:fld id="{9BCA07FD-5BD5-4529-84B0-48DD2C561176}" type="slidenum">
               <a:rPr lang="de-CH" smtClean="0"/>
-              <a:t>5</a:t>
+              <a:t>4</a:t>
             </a:fld>
             <a:endParaRPr lang="de-CH"/>
           </a:p>
@@ -915,7 +1001,7 @@
     </p:spTree>
     <p:extLst>
       <p:ext uri="{BB962C8B-B14F-4D97-AF65-F5344CB8AC3E}">
-        <p14:creationId xmlns:p14="http://schemas.microsoft.com/office/powerpoint/2010/main" val="3503916100"/>
+        <p14:creationId xmlns:p14="http://schemas.microsoft.com/office/powerpoint/2010/main" val="3761255072"/>
       </p:ext>
     </p:extLst>
   </p:cSld>
@@ -999,7 +1085,7 @@
     </p:spTree>
     <p:extLst>
       <p:ext uri="{BB962C8B-B14F-4D97-AF65-F5344CB8AC3E}">
-        <p14:creationId xmlns:p14="http://schemas.microsoft.com/office/powerpoint/2010/main" val="3678692173"/>
+        <p14:creationId xmlns:p14="http://schemas.microsoft.com/office/powerpoint/2010/main" val="3503916100"/>
       </p:ext>
     </p:extLst>
   </p:cSld>
@@ -1083,7 +1169,7 @@
     </p:spTree>
     <p:extLst>
       <p:ext uri="{BB962C8B-B14F-4D97-AF65-F5344CB8AC3E}">
-        <p14:creationId xmlns:p14="http://schemas.microsoft.com/office/powerpoint/2010/main" val="553065034"/>
+        <p14:creationId xmlns:p14="http://schemas.microsoft.com/office/powerpoint/2010/main" val="3678692173"/>
       </p:ext>
     </p:extLst>
   </p:cSld>
@@ -1167,7 +1253,7 @@
     </p:spTree>
     <p:extLst>
       <p:ext uri="{BB962C8B-B14F-4D97-AF65-F5344CB8AC3E}">
-        <p14:creationId xmlns:p14="http://schemas.microsoft.com/office/powerpoint/2010/main" val="1171336995"/>
+        <p14:creationId xmlns:p14="http://schemas.microsoft.com/office/powerpoint/2010/main" val="553065034"/>
       </p:ext>
     </p:extLst>
   </p:cSld>
@@ -1251,7 +1337,7 @@
     </p:spTree>
     <p:extLst>
       <p:ext uri="{BB962C8B-B14F-4D97-AF65-F5344CB8AC3E}">
-        <p14:creationId xmlns:p14="http://schemas.microsoft.com/office/powerpoint/2010/main" val="3670487613"/>
+        <p14:creationId xmlns:p14="http://schemas.microsoft.com/office/powerpoint/2010/main" val="1171336995"/>
       </p:ext>
     </p:extLst>
   </p:cSld>
@@ -1335,7 +1421,7 @@
     </p:spTree>
     <p:extLst>
       <p:ext uri="{BB962C8B-B14F-4D97-AF65-F5344CB8AC3E}">
-        <p14:creationId xmlns:p14="http://schemas.microsoft.com/office/powerpoint/2010/main" val="88145516"/>
+        <p14:creationId xmlns:p14="http://schemas.microsoft.com/office/powerpoint/2010/main" val="3670487613"/>
       </p:ext>
     </p:extLst>
   </p:cSld>
@@ -4394,6 +4480,136 @@
         </p:nvSpPr>
         <p:spPr>
           <a:xfrm>
+            <a:off x="1064014" y="3127733"/>
+            <a:ext cx="7386959" cy="923330"/>
+          </a:xfrm>
+          <a:prstGeom prst="rect">
+            <a:avLst/>
+          </a:prstGeom>
+        </p:spPr>
+        <p:txBody>
+          <a:bodyPr wrap="none">
+            <a:spAutoFit/>
+          </a:bodyPr>
+          <a:lstStyle/>
+          <a:p>
+            <a:r>
+              <a:rPr lang="en-US" sz="3600" dirty="0">
+                <a:solidFill>
+                  <a:schemeClr val="tx2"/>
+                </a:solidFill>
+                <a:latin typeface="Yanone Kaffeesatz Regular" panose="02000000000000000000" pitchFamily="2" charset="0"/>
+              </a:rPr>
+              <a:t>github.com/</a:t>
+            </a:r>
+            <a:r>
+              <a:rPr lang="en-US" sz="3600" dirty="0" err="1">
+                <a:solidFill>
+                  <a:schemeClr val="tx2"/>
+                </a:solidFill>
+                <a:latin typeface="Yanone Kaffeesatz Regular" panose="02000000000000000000" pitchFamily="2" charset="0"/>
+              </a:rPr>
+              <a:t>danielmarbach</a:t>
+            </a:r>
+            <a:r>
+              <a:rPr lang="en-US" sz="3600" dirty="0">
+                <a:solidFill>
+                  <a:schemeClr val="tx2"/>
+                </a:solidFill>
+                <a:latin typeface="Yanone Kaffeesatz Regular" panose="02000000000000000000" pitchFamily="2" charset="0"/>
+              </a:rPr>
+              <a:t>/</a:t>
+            </a:r>
+            <a:r>
+              <a:rPr lang="en-US" sz="5400" dirty="0" err="1">
+                <a:solidFill>
+                  <a:schemeClr val="accent4"/>
+                </a:solidFill>
+                <a:latin typeface="Yanone Kaffeesatz Regular" panose="02000000000000000000" pitchFamily="2" charset="0"/>
+              </a:rPr>
+              <a:t>AsyncRabbitMQ</a:t>
+            </a:r>
+            <a:endParaRPr lang="de-CH" sz="5400" dirty="0">
+              <a:solidFill>
+                <a:schemeClr val="accent4"/>
+              </a:solidFill>
+              <a:latin typeface="Yanone Kaffeesatz Regular" panose="02000000000000000000" pitchFamily="2" charset="0"/>
+            </a:endParaRPr>
+          </a:p>
+        </p:txBody>
+      </p:sp>
+      <p:sp>
+        <p:nvSpPr>
+          <p:cNvPr id="4" name="Rectangle 3"/>
+          <p:cNvSpPr/>
+          <p:nvPr/>
+        </p:nvSpPr>
+        <p:spPr>
+          <a:xfrm>
+            <a:off x="1064014" y="1124536"/>
+            <a:ext cx="6463629" cy="1862048"/>
+          </a:xfrm>
+          <a:prstGeom prst="rect">
+            <a:avLst/>
+          </a:prstGeom>
+        </p:spPr>
+        <p:txBody>
+          <a:bodyPr wrap="none">
+            <a:spAutoFit/>
+          </a:bodyPr>
+          <a:lstStyle/>
+          <a:p>
+            <a:r>
+              <a:rPr lang="en-US" sz="11500" dirty="0">
+                <a:solidFill>
+                  <a:schemeClr val="accent2"/>
+                </a:solidFill>
+                <a:latin typeface="Yanone Kaffeesatz Regular" panose="02000000000000000000" pitchFamily="2" charset="0"/>
+              </a:rPr>
+              <a:t>Slides, Links…</a:t>
+            </a:r>
+            <a:endParaRPr lang="de-CH" sz="1400" dirty="0"/>
+          </a:p>
+        </p:txBody>
+      </p:sp>
+    </p:spTree>
+    <p:extLst>
+      <p:ext uri="{BB962C8B-B14F-4D97-AF65-F5344CB8AC3E}">
+        <p14:creationId xmlns:p14="http://schemas.microsoft.com/office/powerpoint/2010/main" val="1581449120"/>
+      </p:ext>
+    </p:extLst>
+  </p:cSld>
+  <p:clrMapOvr>
+    <a:masterClrMapping/>
+  </p:clrMapOvr>
+</p:sld>
+</file>
+
+<file path=ppt/slides/slide11.xml><?xml version="1.0" encoding="utf-8"?>
+<p:sld xmlns:a="http://schemas.openxmlformats.org/drawingml/2006/main" xmlns:r="http://schemas.openxmlformats.org/officeDocument/2006/relationships" xmlns:p="http://schemas.openxmlformats.org/presentationml/2006/main">
+  <p:cSld>
+    <p:spTree>
+      <p:nvGrpSpPr>
+        <p:cNvPr id="1" name=""/>
+        <p:cNvGrpSpPr/>
+        <p:nvPr/>
+      </p:nvGrpSpPr>
+      <p:grpSpPr>
+        <a:xfrm>
+          <a:off x="0" y="0"/>
+          <a:ext cx="0" cy="0"/>
+          <a:chOff x="0" y="0"/>
+          <a:chExt cx="0" cy="0"/>
+        </a:xfrm>
+      </p:grpSpPr>
+      <p:sp>
+        <p:nvSpPr>
+          <p:cNvPr id="2" name="Rectangle 1"/>
+          <p:cNvSpPr/>
+          <p:nvPr/>
+        </p:nvSpPr>
+        <p:spPr>
+          <a:xfrm>
             <a:off x="7394233" y="2132714"/>
             <a:ext cx="6096000" cy="2246769"/>
           </a:xfrm>
@@ -4519,7 +4735,7 @@
 </p:sld>
 </file>
 
-<file path=ppt/slides/slide11.xml><?xml version="1.0" encoding="utf-8"?>
+<file path=ppt/slides/slide12.xml><?xml version="1.0" encoding="utf-8"?>
 <p:sld xmlns:a="http://schemas.openxmlformats.org/drawingml/2006/main" xmlns:r="http://schemas.openxmlformats.org/officeDocument/2006/relationships" xmlns:p="http://schemas.openxmlformats.org/presentationml/2006/main">
   <p:cSld>
     <p:spTree>
@@ -5424,20 +5640,14 @@
       </p:grpSpPr>
       <p:sp>
         <p:nvSpPr>
-          <p:cNvPr id="2" name="Rectangle 1">
-            <a:extLst>
-              <a:ext uri="{FF2B5EF4-FFF2-40B4-BE49-F238E27FC236}">
-                <a16:creationId xmlns:a16="http://schemas.microsoft.com/office/drawing/2014/main" id="{7DC119BC-2BC3-49CA-9953-D40C2FEAAAC8}"/>
-              </a:ext>
-            </a:extLst>
-          </p:cNvPr>
+          <p:cNvPr id="5" name="Rectangle 4"/>
           <p:cNvSpPr/>
           <p:nvPr/>
         </p:nvSpPr>
         <p:spPr>
           <a:xfrm>
-            <a:off x="3596044" y="1259175"/>
-            <a:ext cx="4999912" cy="4339650"/>
+            <a:off x="0" y="1952437"/>
+            <a:ext cx="4999912" cy="2215991"/>
           </a:xfrm>
           <a:prstGeom prst="rect">
             <a:avLst/>
@@ -5453,60 +5663,26 @@
             <a:r>
               <a:rPr lang="en-US" sz="13800" dirty="0">
                 <a:solidFill>
-                  <a:schemeClr val="accent3"/>
-                </a:solidFill>
-                <a:latin typeface="Yanone Kaffeesatz Regular" panose="02000000000000000000" pitchFamily="2" charset="0"/>
-              </a:rPr>
-              <a:t>It’s code time</a:t>
-            </a:r>
-            <a:endParaRPr lang="de-CH" sz="1600" dirty="0">
-              <a:solidFill>
-                <a:schemeClr val="accent3"/>
-              </a:solidFill>
-            </a:endParaRPr>
-          </a:p>
-        </p:txBody>
-      </p:sp>
-    </p:spTree>
-    <p:extLst>
-      <p:ext uri="{BB962C8B-B14F-4D97-AF65-F5344CB8AC3E}">
-        <p14:creationId xmlns:p14="http://schemas.microsoft.com/office/powerpoint/2010/main" val="4056115761"/>
-      </p:ext>
-    </p:extLst>
-  </p:cSld>
-  <p:clrMapOvr>
-    <a:masterClrMapping/>
-  </p:clrMapOvr>
-</p:sld>
-</file>
-
-<file path=ppt/slides/slide5.xml><?xml version="1.0" encoding="utf-8"?>
-<p:sld xmlns:a="http://schemas.openxmlformats.org/drawingml/2006/main" xmlns:r="http://schemas.openxmlformats.org/officeDocument/2006/relationships" xmlns:p="http://schemas.openxmlformats.org/presentationml/2006/main">
-  <p:cSld>
-    <p:spTree>
-      <p:nvGrpSpPr>
-        <p:cNvPr id="1" name=""/>
-        <p:cNvGrpSpPr/>
-        <p:nvPr/>
-      </p:nvGrpSpPr>
-      <p:grpSpPr>
-        <a:xfrm>
-          <a:off x="0" y="0"/>
-          <a:ext cx="0" cy="0"/>
-          <a:chOff x="0" y="0"/>
-          <a:chExt cx="0" cy="0"/>
-        </a:xfrm>
-      </p:grpSpPr>
-      <p:sp>
-        <p:nvSpPr>
-          <p:cNvPr id="5" name="Rectangle 4"/>
+                  <a:schemeClr val="accent2"/>
+                </a:solidFill>
+                <a:latin typeface="Yanone Kaffeesatz Regular" panose="02000000000000000000" pitchFamily="2" charset="0"/>
+              </a:rPr>
+              <a:t>Process</a:t>
+            </a:r>
+            <a:endParaRPr lang="de-CH" sz="1600" dirty="0"/>
+          </a:p>
+        </p:txBody>
+      </p:sp>
+      <p:sp>
+        <p:nvSpPr>
+          <p:cNvPr id="6" name="Rectangle 5"/>
           <p:cNvSpPr/>
           <p:nvPr/>
         </p:nvSpPr>
         <p:spPr>
           <a:xfrm>
-            <a:off x="0" y="1952437"/>
-            <a:ext cx="4999912" cy="2646878"/>
+            <a:off x="6652595" y="1720840"/>
+            <a:ext cx="5706729" cy="3970318"/>
           </a:xfrm>
           <a:prstGeom prst="rect">
             <a:avLst/>
@@ -5518,70 +5694,66 @@
           </a:bodyPr>
           <a:lstStyle/>
           <a:p>
-            <a:pPr algn="ctr"/>
-            <a:r>
-              <a:rPr lang="en-US" sz="16600" dirty="0">
-                <a:solidFill>
-                  <a:schemeClr val="accent2"/>
-                </a:solidFill>
-                <a:latin typeface="Yanone Kaffeesatz Regular" panose="02000000000000000000" pitchFamily="2" charset="0"/>
-              </a:rPr>
-              <a:t>Recap</a:t>
-            </a:r>
-            <a:endParaRPr lang="de-CH" dirty="0"/>
-          </a:p>
-        </p:txBody>
-      </p:sp>
-      <p:sp>
-        <p:nvSpPr>
-          <p:cNvPr id="6" name="Rectangle 5"/>
-          <p:cNvSpPr/>
-          <p:nvPr/>
-        </p:nvSpPr>
-        <p:spPr>
-          <a:xfrm>
-            <a:off x="6485270" y="1671407"/>
-            <a:ext cx="5706729" cy="3416320"/>
-          </a:xfrm>
-          <a:prstGeom prst="rect">
-            <a:avLst/>
-          </a:prstGeom>
-        </p:spPr>
-        <p:txBody>
-          <a:bodyPr wrap="square">
-            <a:spAutoFit/>
-          </a:bodyPr>
-          <a:lstStyle/>
-          <a:p>
             <a:r>
               <a:rPr lang="en-US" sz="3600" dirty="0">
                 <a:solidFill>
+                  <a:schemeClr val="accent4"/>
+                </a:solidFill>
+                <a:latin typeface="Yanone Kaffeesatz Regular" panose="02000000000000000000" pitchFamily="2" charset="0"/>
+              </a:rPr>
+              <a:t>Cleanup</a:t>
+            </a:r>
+            <a:r>
+              <a:rPr lang="en-US" sz="3600" dirty="0">
+                <a:solidFill>
                   <a:schemeClr val="tx2"/>
                 </a:solidFill>
                 <a:latin typeface="Yanone Kaffeesatz Regular" panose="02000000000000000000" pitchFamily="2" charset="0"/>
               </a:rPr>
-              <a:t>Find the </a:t>
-            </a:r>
+              <a:t> the mess created</a:t>
+            </a:r>
+            <a:endParaRPr lang="en-US" sz="3600" dirty="0">
+              <a:solidFill>
+                <a:schemeClr val="accent4"/>
+              </a:solidFill>
+              <a:latin typeface="Yanone Kaffeesatz Regular" panose="02000000000000000000" pitchFamily="2" charset="0"/>
+            </a:endParaRPr>
+          </a:p>
+          <a:p>
+            <a:endParaRPr lang="en-US" sz="3600" dirty="0">
+              <a:solidFill>
+                <a:schemeClr val="accent4"/>
+              </a:solidFill>
+              <a:latin typeface="Yanone Kaffeesatz Regular" panose="02000000000000000000" pitchFamily="2" charset="0"/>
+            </a:endParaRPr>
+          </a:p>
+          <a:p>
             <a:r>
               <a:rPr lang="en-US" sz="3600" dirty="0">
                 <a:solidFill>
+                  <a:schemeClr val="tx2"/>
+                </a:solidFill>
+                <a:latin typeface="Yanone Kaffeesatz Regular" panose="02000000000000000000" pitchFamily="2" charset="0"/>
+              </a:rPr>
+              <a:t>Rip out the custom code and replace it with </a:t>
+            </a:r>
+            <a:r>
+              <a:rPr lang="en-US" sz="3600" dirty="0" err="1">
+                <a:solidFill>
                   <a:schemeClr val="accent4"/>
                 </a:solidFill>
                 <a:latin typeface="Yanone Kaffeesatz Regular" panose="02000000000000000000" pitchFamily="2" charset="0"/>
               </a:rPr>
-              <a:t>IO-bound</a:t>
-            </a:r>
-            <a:r>
+              <a:t>System.Threading.Channel</a:t>
+            </a:r>
+            <a:br>
               <a:rPr lang="en-US" sz="3600" dirty="0">
                 <a:solidFill>
                   <a:schemeClr val="tx2"/>
                 </a:solidFill>
                 <a:latin typeface="Yanone Kaffeesatz Regular" panose="02000000000000000000" pitchFamily="2" charset="0"/>
               </a:rPr>
-              <a:t> paths in your code</a:t>
-            </a:r>
-          </a:p>
-          <a:p>
+            </a:br>
             <a:endParaRPr lang="en-US" sz="3600" dirty="0">
               <a:solidFill>
                 <a:schemeClr val="tx2"/>
@@ -5597,7 +5769,7 @@
                 </a:solidFill>
                 <a:latin typeface="Yanone Kaffeesatz Regular" panose="02000000000000000000" pitchFamily="2" charset="0"/>
               </a:rPr>
-              <a:t>Get rid of </a:t>
+              <a:t>First class </a:t>
             </a:r>
             <a:r>
               <a:rPr lang="en-US" sz="3600" dirty="0">
@@ -5606,18 +5778,8 @@
                 </a:solidFill>
                 <a:latin typeface="Yanone Kaffeesatz Regular" panose="02000000000000000000" pitchFamily="2" charset="0"/>
               </a:rPr>
-              <a:t>lock contentions</a:t>
-            </a:r>
-          </a:p>
-          <a:p>
-            <a:endParaRPr lang="en-US" sz="3600" dirty="0">
-              <a:solidFill>
-                <a:schemeClr val="tx2"/>
-              </a:solidFill>
-              <a:latin typeface="Yanone Kaffeesatz Regular" panose="02000000000000000000" pitchFamily="2" charset="0"/>
-            </a:endParaRPr>
-          </a:p>
-          <a:p>
+              <a:t>support for concurrency </a:t>
+            </a:r>
             <a:r>
               <a:rPr lang="en-US" sz="3600" dirty="0">
                 <a:solidFill>
@@ -5625,68 +5787,7 @@
                 </a:solidFill>
                 <a:latin typeface="Yanone Kaffeesatz Regular" panose="02000000000000000000" pitchFamily="2" charset="0"/>
               </a:rPr>
-              <a:t>If possible use a </a:t>
-            </a:r>
-            <a:r>
-              <a:rPr lang="en-US" sz="3600" dirty="0">
-                <a:solidFill>
-                  <a:schemeClr val="accent4"/>
-                </a:solidFill>
-                <a:latin typeface="Yanone Kaffeesatz Regular" panose="02000000000000000000" pitchFamily="2" charset="0"/>
-              </a:rPr>
-              <a:t>redundant</a:t>
-            </a:r>
-            <a:r>
-              <a:rPr lang="en-US" sz="3600" dirty="0">
-                <a:solidFill>
-                  <a:schemeClr val="tx2"/>
-                </a:solidFill>
-                <a:latin typeface="Yanone Kaffeesatz Regular" panose="02000000000000000000" pitchFamily="2" charset="0"/>
-              </a:rPr>
-              <a:t> code path that is </a:t>
-            </a:r>
-            <a:r>
-              <a:rPr lang="en-US" sz="3600" dirty="0">
-                <a:solidFill>
-                  <a:schemeClr val="accent4"/>
-                </a:solidFill>
-                <a:latin typeface="Yanone Kaffeesatz Regular" panose="02000000000000000000" pitchFamily="2" charset="0"/>
-              </a:rPr>
-              <a:t>async all the way</a:t>
-            </a:r>
-          </a:p>
-        </p:txBody>
-      </p:sp>
-      <p:sp>
-        <p:nvSpPr>
-          <p:cNvPr id="7" name="Rectangle 6"/>
-          <p:cNvSpPr/>
-          <p:nvPr/>
-        </p:nvSpPr>
-        <p:spPr>
-          <a:xfrm>
-            <a:off x="1" y="4399885"/>
-            <a:ext cx="6494332" cy="1200329"/>
-          </a:xfrm>
-          <a:prstGeom prst="rect">
-            <a:avLst/>
-          </a:prstGeom>
-        </p:spPr>
-        <p:txBody>
-          <a:bodyPr wrap="square">
-            <a:spAutoFit/>
-          </a:bodyPr>
-          <a:lstStyle/>
-          <a:p>
-            <a:pPr algn="ctr"/>
-            <a:r>
-              <a:rPr lang="en-US" sz="7200" dirty="0">
-                <a:solidFill>
-                  <a:schemeClr val="accent3"/>
-                </a:solidFill>
-                <a:latin typeface="Yanone Kaffeesatz Regular" panose="02000000000000000000" pitchFamily="2" charset="0"/>
-              </a:rPr>
-              <a:t>reminder</a:t>
+              <a:t>within the client</a:t>
             </a:r>
           </a:p>
         </p:txBody>
@@ -5694,7 +5795,7 @@
     </p:spTree>
     <p:extLst>
       <p:ext uri="{BB962C8B-B14F-4D97-AF65-F5344CB8AC3E}">
-        <p14:creationId xmlns:p14="http://schemas.microsoft.com/office/powerpoint/2010/main" val="2436182924"/>
+        <p14:creationId xmlns:p14="http://schemas.microsoft.com/office/powerpoint/2010/main" val="328935145"/>
       </p:ext>
     </p:extLst>
   </p:cSld>
@@ -5835,7 +5936,7 @@
                                         <p:tgtEl>
                                           <p:spTgt spid="6">
                                             <p:txEl>
-                                              <p:pRg st="4" end="4"/>
+                                              <p:pRg st="3" end="3"/>
                                             </p:txEl>
                                           </p:spTgt>
                                         </p:tgtEl>
@@ -5881,6 +5982,81 @@
 </p:sld>
 </file>
 
+<file path=ppt/slides/slide5.xml><?xml version="1.0" encoding="utf-8"?>
+<p:sld xmlns:a="http://schemas.openxmlformats.org/drawingml/2006/main" xmlns:r="http://schemas.openxmlformats.org/officeDocument/2006/relationships" xmlns:p="http://schemas.openxmlformats.org/presentationml/2006/main">
+  <p:cSld>
+    <p:spTree>
+      <p:nvGrpSpPr>
+        <p:cNvPr id="1" name=""/>
+        <p:cNvGrpSpPr/>
+        <p:nvPr/>
+      </p:nvGrpSpPr>
+      <p:grpSpPr>
+        <a:xfrm>
+          <a:off x="0" y="0"/>
+          <a:ext cx="0" cy="0"/>
+          <a:chOff x="0" y="0"/>
+          <a:chExt cx="0" cy="0"/>
+        </a:xfrm>
+      </p:grpSpPr>
+      <p:sp>
+        <p:nvSpPr>
+          <p:cNvPr id="2" name="Rectangle 1">
+            <a:extLst>
+              <a:ext uri="{FF2B5EF4-FFF2-40B4-BE49-F238E27FC236}">
+                <a16:creationId xmlns:a16="http://schemas.microsoft.com/office/drawing/2014/main" id="{7DC119BC-2BC3-49CA-9953-D40C2FEAAAC8}"/>
+              </a:ext>
+            </a:extLst>
+          </p:cNvPr>
+          <p:cNvSpPr/>
+          <p:nvPr/>
+        </p:nvSpPr>
+        <p:spPr>
+          <a:xfrm>
+            <a:off x="3596044" y="1259175"/>
+            <a:ext cx="4999912" cy="4339650"/>
+          </a:xfrm>
+          <a:prstGeom prst="rect">
+            <a:avLst/>
+          </a:prstGeom>
+        </p:spPr>
+        <p:txBody>
+          <a:bodyPr wrap="square">
+            <a:spAutoFit/>
+          </a:bodyPr>
+          <a:lstStyle/>
+          <a:p>
+            <a:pPr algn="ctr"/>
+            <a:r>
+              <a:rPr lang="en-US" sz="13800" dirty="0">
+                <a:solidFill>
+                  <a:schemeClr val="accent3"/>
+                </a:solidFill>
+                <a:latin typeface="Yanone Kaffeesatz Regular" panose="02000000000000000000" pitchFamily="2" charset="0"/>
+              </a:rPr>
+              <a:t>It’s code time</a:t>
+            </a:r>
+            <a:endParaRPr lang="de-CH" sz="1600" dirty="0">
+              <a:solidFill>
+                <a:schemeClr val="accent3"/>
+              </a:solidFill>
+            </a:endParaRPr>
+          </a:p>
+        </p:txBody>
+      </p:sp>
+    </p:spTree>
+    <p:extLst>
+      <p:ext uri="{BB962C8B-B14F-4D97-AF65-F5344CB8AC3E}">
+        <p14:creationId xmlns:p14="http://schemas.microsoft.com/office/powerpoint/2010/main" val="4056115761"/>
+      </p:ext>
+    </p:extLst>
+  </p:cSld>
+  <p:clrMapOvr>
+    <a:masterClrMapping/>
+  </p:clrMapOvr>
+</p:sld>
+</file>
+
 <file path=ppt/slides/slide6.xml><?xml version="1.0" encoding="utf-8"?>
 <p:sld xmlns:a="http://schemas.openxmlformats.org/drawingml/2006/main" xmlns:r="http://schemas.openxmlformats.org/officeDocument/2006/relationships" xmlns:p="http://schemas.openxmlformats.org/presentationml/2006/main">
   <p:cSld>
@@ -5957,11 +6133,20 @@
             <a:r>
               <a:rPr lang="en-US" sz="3600" dirty="0">
                 <a:solidFill>
+                  <a:schemeClr val="tx2"/>
+                </a:solidFill>
+                <a:latin typeface="Yanone Kaffeesatz Regular" panose="02000000000000000000" pitchFamily="2" charset="0"/>
+              </a:rPr>
+              <a:t>Find the </a:t>
+            </a:r>
+            <a:r>
+              <a:rPr lang="en-US" sz="3600" dirty="0">
+                <a:solidFill>
                   <a:schemeClr val="accent4"/>
                 </a:solidFill>
                 <a:latin typeface="Yanone Kaffeesatz Regular" panose="02000000000000000000" pitchFamily="2" charset="0"/>
               </a:rPr>
-              <a:t>Gradually extend</a:t>
+              <a:t>IO-bound</a:t>
             </a:r>
             <a:r>
               <a:rPr lang="en-US" sz="3600" dirty="0">
@@ -5970,7 +6155,7 @@
                 </a:solidFill>
                 <a:latin typeface="Yanone Kaffeesatz Regular" panose="02000000000000000000" pitchFamily="2" charset="0"/>
               </a:rPr>
-              <a:t> IO-bound paths</a:t>
+              <a:t> paths in your code</a:t>
             </a:r>
           </a:p>
           <a:p>
@@ -5985,20 +6170,20 @@
             <a:r>
               <a:rPr lang="en-US" sz="3600" dirty="0">
                 <a:solidFill>
+                  <a:schemeClr val="tx2"/>
+                </a:solidFill>
+                <a:latin typeface="Yanone Kaffeesatz Regular" panose="02000000000000000000" pitchFamily="2" charset="0"/>
+              </a:rPr>
+              <a:t>Get rid of </a:t>
+            </a:r>
+            <a:r>
+              <a:rPr lang="en-US" sz="3600" dirty="0">
+                <a:solidFill>
                   <a:schemeClr val="accent4"/>
                 </a:solidFill>
                 <a:latin typeface="Yanone Kaffeesatz Regular" panose="02000000000000000000" pitchFamily="2" charset="0"/>
               </a:rPr>
-              <a:t>Never block</a:t>
-            </a:r>
-            <a:r>
-              <a:rPr lang="en-US" sz="3600" dirty="0">
-                <a:solidFill>
-                  <a:schemeClr val="tx2"/>
-                </a:solidFill>
-                <a:latin typeface="Yanone Kaffeesatz Regular" panose="02000000000000000000" pitchFamily="2" charset="0"/>
-              </a:rPr>
-              <a:t> threads</a:t>
+              <a:t>lock contentions</a:t>
             </a:r>
           </a:p>
           <a:p>
@@ -6013,11 +6198,20 @@
             <a:r>
               <a:rPr lang="en-US" sz="3600" dirty="0">
                 <a:solidFill>
+                  <a:schemeClr val="tx2"/>
+                </a:solidFill>
+                <a:latin typeface="Yanone Kaffeesatz Regular" panose="02000000000000000000" pitchFamily="2" charset="0"/>
+              </a:rPr>
+              <a:t>If possible use a </a:t>
+            </a:r>
+            <a:r>
+              <a:rPr lang="en-US" sz="3600" dirty="0">
+                <a:solidFill>
                   <a:schemeClr val="accent4"/>
                 </a:solidFill>
                 <a:latin typeface="Yanone Kaffeesatz Regular" panose="02000000000000000000" pitchFamily="2" charset="0"/>
               </a:rPr>
-              <a:t>Only</a:t>
+              <a:t>redundant</a:t>
             </a:r>
             <a:r>
               <a:rPr lang="en-US" sz="3600" dirty="0">
@@ -6026,7 +6220,7 @@
                 </a:solidFill>
                 <a:latin typeface="Yanone Kaffeesatz Regular" panose="02000000000000000000" pitchFamily="2" charset="0"/>
               </a:rPr>
-              <a:t> custom offload </a:t>
+              <a:t> code path that is </a:t>
             </a:r>
             <a:r>
               <a:rPr lang="en-US" sz="3600" dirty="0">
@@ -6035,7 +6229,7 @@
                 </a:solidFill>
                 <a:latin typeface="Yanone Kaffeesatz Regular" panose="02000000000000000000" pitchFamily="2" charset="0"/>
               </a:rPr>
-              <a:t>where really necessary</a:t>
+              <a:t>async all the way</a:t>
             </a:r>
           </a:p>
         </p:txBody>
@@ -6077,7 +6271,7 @@
     </p:spTree>
     <p:extLst>
       <p:ext uri="{BB962C8B-B14F-4D97-AF65-F5344CB8AC3E}">
-        <p14:creationId xmlns:p14="http://schemas.microsoft.com/office/powerpoint/2010/main" val="2568260494"/>
+        <p14:creationId xmlns:p14="http://schemas.microsoft.com/office/powerpoint/2010/main" val="2436182924"/>
       </p:ext>
     </p:extLst>
   </p:cSld>
@@ -6324,8 +6518,8 @@
         </p:nvSpPr>
         <p:spPr>
           <a:xfrm>
-            <a:off x="6494333" y="1166842"/>
-            <a:ext cx="5706729" cy="4524315"/>
+            <a:off x="6485270" y="1671407"/>
+            <a:ext cx="5706729" cy="3416320"/>
           </a:xfrm>
           <a:prstGeom prst="rect">
             <a:avLst/>
@@ -6340,29 +6534,20 @@
             <a:r>
               <a:rPr lang="en-US" sz="3600" dirty="0">
                 <a:solidFill>
+                  <a:schemeClr val="accent4"/>
+                </a:solidFill>
+                <a:latin typeface="Yanone Kaffeesatz Regular" panose="02000000000000000000" pitchFamily="2" charset="0"/>
+              </a:rPr>
+              <a:t>Gradually extend</a:t>
+            </a:r>
+            <a:r>
+              <a:rPr lang="en-US" sz="3600" dirty="0">
+                <a:solidFill>
                   <a:schemeClr val="tx2"/>
                 </a:solidFill>
                 <a:latin typeface="Yanone Kaffeesatz Regular" panose="02000000000000000000" pitchFamily="2" charset="0"/>
               </a:rPr>
-              <a:t>On .NET 5 consider </a:t>
-            </a:r>
-            <a:r>
-              <a:rPr lang="en-US" sz="3600" dirty="0" err="1">
-                <a:solidFill>
-                  <a:schemeClr val="accent4"/>
-                </a:solidFill>
-                <a:latin typeface="Yanone Kaffeesatz Regular" panose="02000000000000000000" pitchFamily="2" charset="0"/>
-              </a:rPr>
-              <a:t>ValueTask</a:t>
-            </a:r>
-            <a:r>
-              <a:rPr lang="en-US" sz="3600" dirty="0">
-                <a:solidFill>
-                  <a:schemeClr val="tx2"/>
-                </a:solidFill>
-                <a:latin typeface="Yanone Kaffeesatz Regular" panose="02000000000000000000" pitchFamily="2" charset="0"/>
-              </a:rPr>
-              <a:t> to benefit from pooling</a:t>
+              <a:t> IO-bound paths</a:t>
             </a:r>
           </a:p>
           <a:p>
@@ -6381,7 +6566,7 @@
                 </a:solidFill>
                 <a:latin typeface="Yanone Kaffeesatz Regular" panose="02000000000000000000" pitchFamily="2" charset="0"/>
               </a:rPr>
-              <a:t>Leverage</a:t>
+              <a:t>Never block</a:t>
             </a:r>
             <a:r>
               <a:rPr lang="en-US" sz="3600" dirty="0">
@@ -6390,25 +6575,7 @@
                 </a:solidFill>
                 <a:latin typeface="Yanone Kaffeesatz Regular" panose="02000000000000000000" pitchFamily="2" charset="0"/>
               </a:rPr>
-              <a:t> existing battle tested </a:t>
-            </a:r>
-            <a:r>
-              <a:rPr lang="en-US" sz="3600" dirty="0">
-                <a:solidFill>
-                  <a:schemeClr val="accent4"/>
-                </a:solidFill>
-                <a:latin typeface="Yanone Kaffeesatz Regular" panose="02000000000000000000" pitchFamily="2" charset="0"/>
-              </a:rPr>
-              <a:t>reliable BCL components</a:t>
-            </a:r>
-            <a:r>
-              <a:rPr lang="en-US" sz="3600" dirty="0">
-                <a:solidFill>
-                  <a:schemeClr val="tx2"/>
-                </a:solidFill>
-                <a:latin typeface="Yanone Kaffeesatz Regular" panose="02000000000000000000" pitchFamily="2" charset="0"/>
-              </a:rPr>
-              <a:t> where you can</a:t>
+              <a:t> threads</a:t>
             </a:r>
           </a:p>
           <a:p>
@@ -6423,11 +6590,20 @@
             <a:r>
               <a:rPr lang="en-US" sz="3600" dirty="0">
                 <a:solidFill>
+                  <a:schemeClr val="accent4"/>
+                </a:solidFill>
+                <a:latin typeface="Yanone Kaffeesatz Regular" panose="02000000000000000000" pitchFamily="2" charset="0"/>
+              </a:rPr>
+              <a:t>Only</a:t>
+            </a:r>
+            <a:r>
+              <a:rPr lang="en-US" sz="3600" dirty="0">
+                <a:solidFill>
                   <a:schemeClr val="tx2"/>
                 </a:solidFill>
                 <a:latin typeface="Yanone Kaffeesatz Regular" panose="02000000000000000000" pitchFamily="2" charset="0"/>
               </a:rPr>
-              <a:t>If you can, </a:t>
+              <a:t> custom offload </a:t>
             </a:r>
             <a:r>
               <a:rPr lang="en-US" sz="3600" dirty="0">
@@ -6436,16 +6612,7 @@
                 </a:solidFill>
                 <a:latin typeface="Yanone Kaffeesatz Regular" panose="02000000000000000000" pitchFamily="2" charset="0"/>
               </a:rPr>
-              <a:t>contribute back to OSS</a:t>
-            </a:r>
-            <a:r>
-              <a:rPr lang="en-US" sz="3600" dirty="0">
-                <a:solidFill>
-                  <a:schemeClr val="tx2"/>
-                </a:solidFill>
-                <a:latin typeface="Yanone Kaffeesatz Regular" panose="02000000000000000000" pitchFamily="2" charset="0"/>
-              </a:rPr>
-              <a:t> that you use in your company</a:t>
+              <a:t>where really necessary</a:t>
             </a:r>
           </a:p>
         </p:txBody>
@@ -6487,7 +6654,7 @@
     </p:spTree>
     <p:extLst>
       <p:ext uri="{BB962C8B-B14F-4D97-AF65-F5344CB8AC3E}">
-        <p14:creationId xmlns:p14="http://schemas.microsoft.com/office/powerpoint/2010/main" val="3671134868"/>
+        <p14:creationId xmlns:p14="http://schemas.microsoft.com/office/powerpoint/2010/main" val="2568260494"/>
       </p:ext>
     </p:extLst>
   </p:cSld>
@@ -6693,48 +6860,394 @@
       </p:grpSpPr>
       <p:sp>
         <p:nvSpPr>
-          <p:cNvPr id="2" name="Rectangle 1"/>
+          <p:cNvPr id="5" name="Rectangle 4"/>
           <p:cNvSpPr/>
           <p:nvPr/>
         </p:nvSpPr>
         <p:spPr>
           <a:xfrm>
-            <a:off x="3176771" y="1851645"/>
-            <a:ext cx="5838458" cy="3154710"/>
+            <a:off x="0" y="1952437"/>
+            <a:ext cx="4999912" cy="2646878"/>
           </a:xfrm>
           <a:prstGeom prst="rect">
             <a:avLst/>
           </a:prstGeom>
         </p:spPr>
         <p:txBody>
-          <a:bodyPr wrap="none">
+          <a:bodyPr wrap="square">
             <a:spAutoFit/>
           </a:bodyPr>
           <a:lstStyle/>
           <a:p>
-            <a:r>
-              <a:rPr lang="en-US" sz="19900" dirty="0">
+            <a:pPr algn="ctr"/>
+            <a:r>
+              <a:rPr lang="en-US" sz="16600" dirty="0">
                 <a:solidFill>
                   <a:schemeClr val="accent2"/>
                 </a:solidFill>
                 <a:latin typeface="Yanone Kaffeesatz Regular" panose="02000000000000000000" pitchFamily="2" charset="0"/>
               </a:rPr>
-              <a:t>Thanks</a:t>
-            </a:r>
-            <a:endParaRPr lang="de-CH" sz="2000" dirty="0"/>
+              <a:t>Recap</a:t>
+            </a:r>
+            <a:endParaRPr lang="de-CH" dirty="0"/>
+          </a:p>
+        </p:txBody>
+      </p:sp>
+      <p:sp>
+        <p:nvSpPr>
+          <p:cNvPr id="6" name="Rectangle 5"/>
+          <p:cNvSpPr/>
+          <p:nvPr/>
+        </p:nvSpPr>
+        <p:spPr>
+          <a:xfrm>
+            <a:off x="6494333" y="1166842"/>
+            <a:ext cx="5706729" cy="4524315"/>
+          </a:xfrm>
+          <a:prstGeom prst="rect">
+            <a:avLst/>
+          </a:prstGeom>
+        </p:spPr>
+        <p:txBody>
+          <a:bodyPr wrap="square">
+            <a:spAutoFit/>
+          </a:bodyPr>
+          <a:lstStyle/>
+          <a:p>
+            <a:r>
+              <a:rPr lang="en-US" sz="3600" dirty="0">
+                <a:solidFill>
+                  <a:schemeClr val="tx2"/>
+                </a:solidFill>
+                <a:latin typeface="Yanone Kaffeesatz Regular" panose="02000000000000000000" pitchFamily="2" charset="0"/>
+              </a:rPr>
+              <a:t>On .NET 5 consider </a:t>
+            </a:r>
+            <a:r>
+              <a:rPr lang="en-US" sz="3600" dirty="0" err="1">
+                <a:solidFill>
+                  <a:schemeClr val="accent4"/>
+                </a:solidFill>
+                <a:latin typeface="Yanone Kaffeesatz Regular" panose="02000000000000000000" pitchFamily="2" charset="0"/>
+              </a:rPr>
+              <a:t>ValueTask</a:t>
+            </a:r>
+            <a:r>
+              <a:rPr lang="en-US" sz="3600" dirty="0">
+                <a:solidFill>
+                  <a:schemeClr val="tx2"/>
+                </a:solidFill>
+                <a:latin typeface="Yanone Kaffeesatz Regular" panose="02000000000000000000" pitchFamily="2" charset="0"/>
+              </a:rPr>
+              <a:t> to benefit from pooling</a:t>
+            </a:r>
+          </a:p>
+          <a:p>
+            <a:endParaRPr lang="en-US" sz="3600" dirty="0">
+              <a:solidFill>
+                <a:schemeClr val="tx2"/>
+              </a:solidFill>
+              <a:latin typeface="Yanone Kaffeesatz Regular" panose="02000000000000000000" pitchFamily="2" charset="0"/>
+            </a:endParaRPr>
+          </a:p>
+          <a:p>
+            <a:r>
+              <a:rPr lang="en-US" sz="3600" dirty="0">
+                <a:solidFill>
+                  <a:schemeClr val="accent4"/>
+                </a:solidFill>
+                <a:latin typeface="Yanone Kaffeesatz Regular" panose="02000000000000000000" pitchFamily="2" charset="0"/>
+              </a:rPr>
+              <a:t>Leverage</a:t>
+            </a:r>
+            <a:r>
+              <a:rPr lang="en-US" sz="3600" dirty="0">
+                <a:solidFill>
+                  <a:schemeClr val="tx2"/>
+                </a:solidFill>
+                <a:latin typeface="Yanone Kaffeesatz Regular" panose="02000000000000000000" pitchFamily="2" charset="0"/>
+              </a:rPr>
+              <a:t> existing battle tested </a:t>
+            </a:r>
+            <a:r>
+              <a:rPr lang="en-US" sz="3600" dirty="0">
+                <a:solidFill>
+                  <a:schemeClr val="accent4"/>
+                </a:solidFill>
+                <a:latin typeface="Yanone Kaffeesatz Regular" panose="02000000000000000000" pitchFamily="2" charset="0"/>
+              </a:rPr>
+              <a:t>reliable BCL components</a:t>
+            </a:r>
+            <a:r>
+              <a:rPr lang="en-US" sz="3600" dirty="0">
+                <a:solidFill>
+                  <a:schemeClr val="tx2"/>
+                </a:solidFill>
+                <a:latin typeface="Yanone Kaffeesatz Regular" panose="02000000000000000000" pitchFamily="2" charset="0"/>
+              </a:rPr>
+              <a:t> where you can</a:t>
+            </a:r>
+          </a:p>
+          <a:p>
+            <a:endParaRPr lang="en-US" sz="3600" dirty="0">
+              <a:solidFill>
+                <a:schemeClr val="tx2"/>
+              </a:solidFill>
+              <a:latin typeface="Yanone Kaffeesatz Regular" panose="02000000000000000000" pitchFamily="2" charset="0"/>
+            </a:endParaRPr>
+          </a:p>
+          <a:p>
+            <a:r>
+              <a:rPr lang="en-US" sz="3600" dirty="0">
+                <a:solidFill>
+                  <a:schemeClr val="tx2"/>
+                </a:solidFill>
+                <a:latin typeface="Yanone Kaffeesatz Regular" panose="02000000000000000000" pitchFamily="2" charset="0"/>
+              </a:rPr>
+              <a:t>If you can, </a:t>
+            </a:r>
+            <a:r>
+              <a:rPr lang="en-US" sz="3600" dirty="0">
+                <a:solidFill>
+                  <a:schemeClr val="accent4"/>
+                </a:solidFill>
+                <a:latin typeface="Yanone Kaffeesatz Regular" panose="02000000000000000000" pitchFamily="2" charset="0"/>
+              </a:rPr>
+              <a:t>contribute back to OSS</a:t>
+            </a:r>
+            <a:r>
+              <a:rPr lang="en-US" sz="3600" dirty="0">
+                <a:solidFill>
+                  <a:schemeClr val="tx2"/>
+                </a:solidFill>
+                <a:latin typeface="Yanone Kaffeesatz Regular" panose="02000000000000000000" pitchFamily="2" charset="0"/>
+              </a:rPr>
+              <a:t> that you use in your company</a:t>
+            </a:r>
+          </a:p>
+        </p:txBody>
+      </p:sp>
+      <p:sp>
+        <p:nvSpPr>
+          <p:cNvPr id="7" name="Rectangle 6"/>
+          <p:cNvSpPr/>
+          <p:nvPr/>
+        </p:nvSpPr>
+        <p:spPr>
+          <a:xfrm>
+            <a:off x="1" y="4399885"/>
+            <a:ext cx="6494332" cy="1200329"/>
+          </a:xfrm>
+          <a:prstGeom prst="rect">
+            <a:avLst/>
+          </a:prstGeom>
+        </p:spPr>
+        <p:txBody>
+          <a:bodyPr wrap="square">
+            <a:spAutoFit/>
+          </a:bodyPr>
+          <a:lstStyle/>
+          <a:p>
+            <a:pPr algn="ctr"/>
+            <a:r>
+              <a:rPr lang="en-US" sz="7200" dirty="0">
+                <a:solidFill>
+                  <a:schemeClr val="accent3"/>
+                </a:solidFill>
+                <a:latin typeface="Yanone Kaffeesatz Regular" panose="02000000000000000000" pitchFamily="2" charset="0"/>
+              </a:rPr>
+              <a:t>reminder</a:t>
+            </a:r>
           </a:p>
         </p:txBody>
       </p:sp>
     </p:spTree>
     <p:extLst>
       <p:ext uri="{BB962C8B-B14F-4D97-AF65-F5344CB8AC3E}">
-        <p14:creationId xmlns:p14="http://schemas.microsoft.com/office/powerpoint/2010/main" val="697477994"/>
+        <p14:creationId xmlns:p14="http://schemas.microsoft.com/office/powerpoint/2010/main" val="3671134868"/>
       </p:ext>
     </p:extLst>
   </p:cSld>
   <p:clrMapOvr>
     <a:masterClrMapping/>
   </p:clrMapOvr>
+  <p:timing>
+    <p:tnLst>
+      <p:par>
+        <p:cTn id="1" dur="indefinite" restart="never" nodeType="tmRoot">
+          <p:childTnLst>
+            <p:seq concurrent="1" nextAc="seek">
+              <p:cTn id="2" dur="indefinite" nodeType="mainSeq">
+                <p:childTnLst>
+                  <p:par>
+                    <p:cTn id="3" fill="hold">
+                      <p:stCondLst>
+                        <p:cond delay="indefinite"/>
+                      </p:stCondLst>
+                      <p:childTnLst>
+                        <p:par>
+                          <p:cTn id="4" fill="hold">
+                            <p:stCondLst>
+                              <p:cond delay="0"/>
+                            </p:stCondLst>
+                            <p:childTnLst>
+                              <p:par>
+                                <p:cTn id="5" presetID="1" presetClass="entr" presetSubtype="0" fill="hold" nodeType="clickEffect">
+                                  <p:stCondLst>
+                                    <p:cond delay="0"/>
+                                  </p:stCondLst>
+                                  <p:childTnLst>
+                                    <p:set>
+                                      <p:cBhvr>
+                                        <p:cTn id="6" dur="1" fill="hold">
+                                          <p:stCondLst>
+                                            <p:cond delay="0"/>
+                                          </p:stCondLst>
+                                        </p:cTn>
+                                        <p:tgtEl>
+                                          <p:spTgt spid="6">
+                                            <p:txEl>
+                                              <p:pRg st="0" end="0"/>
+                                            </p:txEl>
+                                          </p:spTgt>
+                                        </p:tgtEl>
+                                        <p:attrNameLst>
+                                          <p:attrName>style.visibility</p:attrName>
+                                        </p:attrNameLst>
+                                      </p:cBhvr>
+                                      <p:to>
+                                        <p:strVal val="visible"/>
+                                      </p:to>
+                                    </p:set>
+                                  </p:childTnLst>
+                                </p:cTn>
+                              </p:par>
+                            </p:childTnLst>
+                          </p:cTn>
+                        </p:par>
+                      </p:childTnLst>
+                    </p:cTn>
+                  </p:par>
+                  <p:par>
+                    <p:cTn id="7" fill="hold">
+                      <p:stCondLst>
+                        <p:cond delay="indefinite"/>
+                      </p:stCondLst>
+                      <p:childTnLst>
+                        <p:par>
+                          <p:cTn id="8" fill="hold">
+                            <p:stCondLst>
+                              <p:cond delay="0"/>
+                            </p:stCondLst>
+                            <p:childTnLst>
+                              <p:par>
+                                <p:cTn id="9" presetID="1" presetClass="entr" presetSubtype="0" fill="hold" nodeType="clickEffect">
+                                  <p:stCondLst>
+                                    <p:cond delay="0"/>
+                                  </p:stCondLst>
+                                  <p:childTnLst>
+                                    <p:set>
+                                      <p:cBhvr>
+                                        <p:cTn id="10" dur="1" fill="hold">
+                                          <p:stCondLst>
+                                            <p:cond delay="0"/>
+                                          </p:stCondLst>
+                                        </p:cTn>
+                                        <p:tgtEl>
+                                          <p:spTgt spid="6">
+                                            <p:txEl>
+                                              <p:pRg st="2" end="2"/>
+                                            </p:txEl>
+                                          </p:spTgt>
+                                        </p:tgtEl>
+                                        <p:attrNameLst>
+                                          <p:attrName>style.visibility</p:attrName>
+                                        </p:attrNameLst>
+                                      </p:cBhvr>
+                                      <p:to>
+                                        <p:strVal val="visible"/>
+                                      </p:to>
+                                    </p:set>
+                                  </p:childTnLst>
+                                </p:cTn>
+                              </p:par>
+                            </p:childTnLst>
+                          </p:cTn>
+                        </p:par>
+                      </p:childTnLst>
+                    </p:cTn>
+                  </p:par>
+                  <p:par>
+                    <p:cTn id="11" fill="hold">
+                      <p:stCondLst>
+                        <p:cond delay="indefinite"/>
+                      </p:stCondLst>
+                      <p:childTnLst>
+                        <p:par>
+                          <p:cTn id="12" fill="hold">
+                            <p:stCondLst>
+                              <p:cond delay="0"/>
+                            </p:stCondLst>
+                            <p:childTnLst>
+                              <p:par>
+                                <p:cTn id="13" presetID="1" presetClass="entr" presetSubtype="0" fill="hold" nodeType="clickEffect">
+                                  <p:stCondLst>
+                                    <p:cond delay="0"/>
+                                  </p:stCondLst>
+                                  <p:childTnLst>
+                                    <p:set>
+                                      <p:cBhvr>
+                                        <p:cTn id="14" dur="1" fill="hold">
+                                          <p:stCondLst>
+                                            <p:cond delay="0"/>
+                                          </p:stCondLst>
+                                        </p:cTn>
+                                        <p:tgtEl>
+                                          <p:spTgt spid="6">
+                                            <p:txEl>
+                                              <p:pRg st="4" end="4"/>
+                                            </p:txEl>
+                                          </p:spTgt>
+                                        </p:tgtEl>
+                                        <p:attrNameLst>
+                                          <p:attrName>style.visibility</p:attrName>
+                                        </p:attrNameLst>
+                                      </p:cBhvr>
+                                      <p:to>
+                                        <p:strVal val="visible"/>
+                                      </p:to>
+                                    </p:set>
+                                  </p:childTnLst>
+                                </p:cTn>
+                              </p:par>
+                            </p:childTnLst>
+                          </p:cTn>
+                        </p:par>
+                      </p:childTnLst>
+                    </p:cTn>
+                  </p:par>
+                </p:childTnLst>
+              </p:cTn>
+              <p:prevCondLst>
+                <p:cond evt="onPrev" delay="0">
+                  <p:tgtEl>
+                    <p:sldTgt/>
+                  </p:tgtEl>
+                </p:cond>
+              </p:prevCondLst>
+              <p:nextCondLst>
+                <p:cond evt="onNext" delay="0">
+                  <p:tgtEl>
+                    <p:sldTgt/>
+                  </p:tgtEl>
+                </p:cond>
+              </p:nextCondLst>
+            </p:seq>
+          </p:childTnLst>
+        </p:cTn>
+      </p:par>
+    </p:tnLst>
+  </p:timing>
 </p:sld>
 </file>
 
@@ -6763,8 +7276,8 @@
         </p:nvSpPr>
         <p:spPr>
           <a:xfrm>
-            <a:off x="1064014" y="3127733"/>
-            <a:ext cx="7386959" cy="923330"/>
+            <a:off x="3176771" y="1851645"/>
+            <a:ext cx="5838458" cy="3154710"/>
           </a:xfrm>
           <a:prstGeom prst="rect">
             <a:avLst/>
@@ -6777,88 +7290,22 @@
           <a:lstStyle/>
           <a:p>
             <a:r>
-              <a:rPr lang="en-US" sz="3600" dirty="0">
-                <a:solidFill>
-                  <a:schemeClr val="tx2"/>
-                </a:solidFill>
-                <a:latin typeface="Yanone Kaffeesatz Regular" panose="02000000000000000000" pitchFamily="2" charset="0"/>
-              </a:rPr>
-              <a:t>github.com/</a:t>
-            </a:r>
-            <a:r>
-              <a:rPr lang="en-US" sz="3600" dirty="0" err="1">
-                <a:solidFill>
-                  <a:schemeClr val="tx2"/>
-                </a:solidFill>
-                <a:latin typeface="Yanone Kaffeesatz Regular" panose="02000000000000000000" pitchFamily="2" charset="0"/>
-              </a:rPr>
-              <a:t>danielmarbach</a:t>
-            </a:r>
-            <a:r>
-              <a:rPr lang="en-US" sz="3600" dirty="0">
-                <a:solidFill>
-                  <a:schemeClr val="tx2"/>
-                </a:solidFill>
-                <a:latin typeface="Yanone Kaffeesatz Regular" panose="02000000000000000000" pitchFamily="2" charset="0"/>
-              </a:rPr>
-              <a:t>/</a:t>
-            </a:r>
-            <a:r>
-              <a:rPr lang="en-US" sz="5400" dirty="0" err="1">
-                <a:solidFill>
-                  <a:schemeClr val="accent4"/>
-                </a:solidFill>
-                <a:latin typeface="Yanone Kaffeesatz Regular" panose="02000000000000000000" pitchFamily="2" charset="0"/>
-              </a:rPr>
-              <a:t>AsyncRabbitMQ</a:t>
-            </a:r>
-            <a:endParaRPr lang="de-CH" sz="5400" dirty="0">
-              <a:solidFill>
-                <a:schemeClr val="accent4"/>
-              </a:solidFill>
-              <a:latin typeface="Yanone Kaffeesatz Regular" panose="02000000000000000000" pitchFamily="2" charset="0"/>
-            </a:endParaRPr>
-          </a:p>
-        </p:txBody>
-      </p:sp>
-      <p:sp>
-        <p:nvSpPr>
-          <p:cNvPr id="4" name="Rectangle 3"/>
-          <p:cNvSpPr/>
-          <p:nvPr/>
-        </p:nvSpPr>
-        <p:spPr>
-          <a:xfrm>
-            <a:off x="1064014" y="1124536"/>
-            <a:ext cx="6463629" cy="1862048"/>
-          </a:xfrm>
-          <a:prstGeom prst="rect">
-            <a:avLst/>
-          </a:prstGeom>
-        </p:spPr>
-        <p:txBody>
-          <a:bodyPr wrap="none">
-            <a:spAutoFit/>
-          </a:bodyPr>
-          <a:lstStyle/>
-          <a:p>
-            <a:r>
-              <a:rPr lang="en-US" sz="11500" dirty="0">
+              <a:rPr lang="en-US" sz="19900" dirty="0">
                 <a:solidFill>
                   <a:schemeClr val="accent2"/>
                 </a:solidFill>
                 <a:latin typeface="Yanone Kaffeesatz Regular" panose="02000000000000000000" pitchFamily="2" charset="0"/>
               </a:rPr>
-              <a:t>Slides, Links…</a:t>
-            </a:r>
-            <a:endParaRPr lang="de-CH" sz="1400" dirty="0"/>
+              <a:t>Thanks</a:t>
+            </a:r>
+            <a:endParaRPr lang="de-CH" sz="2000" dirty="0"/>
           </a:p>
         </p:txBody>
       </p:sp>
     </p:spTree>
     <p:extLst>
       <p:ext uri="{BB962C8B-B14F-4D97-AF65-F5344CB8AC3E}">
-        <p14:creationId xmlns:p14="http://schemas.microsoft.com/office/powerpoint/2010/main" val="1581449120"/>
+        <p14:creationId xmlns:p14="http://schemas.microsoft.com/office/powerpoint/2010/main" val="697477994"/>
       </p:ext>
     </p:extLst>
   </p:cSld>
